--- a/website/受控文件/需求变更/软件需求变更.pptx
+++ b/website/受控文件/需求变更/软件需求变更.pptx
@@ -13,6 +13,7 @@
     <p:sldId id="261" r:id="rId7"/>
     <p:sldId id="262" r:id="rId8"/>
     <p:sldId id="263" r:id="rId9"/>
+    <p:sldId id="264" r:id="rId10"/>
   </p:sldIdLst>
   <p:sldSz cx="9144000" cy="6858000" type="screen4x3"/>
   <p:notesSz cx="6858000" cy="9144000"/>
@@ -2871,7 +2872,7 @@
           <a:p>
             <a:fld id="{530820CF-B880-4189-942D-D702A7CBA730}" type="datetimeFigureOut">
               <a:rPr lang="zh-CN" altLang="en-US" smtClean="0"/>
-              <a:t>2018/1/9</a:t>
+              <a:t>2018/1/10</a:t>
             </a:fld>
             <a:endParaRPr lang="zh-CN" altLang="en-US"/>
           </a:p>
@@ -3156,7 +3157,7 @@
           <a:p>
             <a:fld id="{530820CF-B880-4189-942D-D702A7CBA730}" type="datetimeFigureOut">
               <a:rPr lang="zh-CN" altLang="en-US" smtClean="0"/>
-              <a:t>2018/1/9</a:t>
+              <a:t>2018/1/10</a:t>
             </a:fld>
             <a:endParaRPr lang="zh-CN" altLang="en-US"/>
           </a:p>
@@ -3331,7 +3332,7 @@
           <a:p>
             <a:fld id="{530820CF-B880-4189-942D-D702A7CBA730}" type="datetimeFigureOut">
               <a:rPr lang="zh-CN" altLang="en-US" smtClean="0"/>
-              <a:t>2018/1/9</a:t>
+              <a:t>2018/1/10</a:t>
             </a:fld>
             <a:endParaRPr lang="zh-CN" altLang="en-US"/>
           </a:p>
@@ -3496,7 +3497,7 @@
           <a:p>
             <a:fld id="{530820CF-B880-4189-942D-D702A7CBA730}" type="datetimeFigureOut">
               <a:rPr lang="zh-CN" altLang="en-US" smtClean="0"/>
-              <a:t>2018/1/9</a:t>
+              <a:t>2018/1/10</a:t>
             </a:fld>
             <a:endParaRPr lang="zh-CN" altLang="en-US"/>
           </a:p>
@@ -3737,7 +3738,7 @@
           <a:p>
             <a:fld id="{530820CF-B880-4189-942D-D702A7CBA730}" type="datetimeFigureOut">
               <a:rPr lang="zh-CN" altLang="en-US" smtClean="0"/>
-              <a:t>2018/1/9</a:t>
+              <a:t>2018/1/10</a:t>
             </a:fld>
             <a:endParaRPr lang="zh-CN" altLang="en-US"/>
           </a:p>
@@ -3850,7 +3851,7 @@
           <a:p>
             <a:fld id="{530820CF-B880-4189-942D-D702A7CBA730}" type="datetimeFigureOut">
               <a:rPr lang="zh-CN" altLang="en-US" smtClean="0"/>
-              <a:t>2018/1/9</a:t>
+              <a:t>2018/1/10</a:t>
             </a:fld>
             <a:endParaRPr lang="zh-CN" altLang="en-US"/>
           </a:p>
@@ -4389,7 +4390,7 @@
           <a:p>
             <a:fld id="{530820CF-B880-4189-942D-D702A7CBA730}" type="datetimeFigureOut">
               <a:rPr lang="zh-CN" altLang="en-US" smtClean="0"/>
-              <a:t>2018/1/9</a:t>
+              <a:t>2018/1/10</a:t>
             </a:fld>
             <a:endParaRPr lang="zh-CN" altLang="en-US"/>
           </a:p>
@@ -4502,7 +4503,7 @@
           <a:p>
             <a:fld id="{530820CF-B880-4189-942D-D702A7CBA730}" type="datetimeFigureOut">
               <a:rPr lang="zh-CN" altLang="en-US" smtClean="0"/>
-              <a:t>2018/1/9</a:t>
+              <a:t>2018/1/10</a:t>
             </a:fld>
             <a:endParaRPr lang="zh-CN" altLang="en-US"/>
           </a:p>
@@ -4592,7 +4593,7 @@
           <a:p>
             <a:fld id="{530820CF-B880-4189-942D-D702A7CBA730}" type="datetimeFigureOut">
               <a:rPr lang="zh-CN" altLang="en-US" smtClean="0"/>
-              <a:t>2018/1/9</a:t>
+              <a:t>2018/1/10</a:t>
             </a:fld>
             <a:endParaRPr lang="zh-CN" altLang="en-US"/>
           </a:p>
@@ -7243,7 +7244,7 @@
           <a:p>
             <a:fld id="{530820CF-B880-4189-942D-D702A7CBA730}" type="datetimeFigureOut">
               <a:rPr lang="zh-CN" altLang="en-US" smtClean="0"/>
-              <a:t>2018/1/9</a:t>
+              <a:t>2018/1/10</a:t>
             </a:fld>
             <a:endParaRPr lang="zh-CN" altLang="en-US"/>
           </a:p>
@@ -10455,7 +10456,7 @@
           <a:p>
             <a:fld id="{530820CF-B880-4189-942D-D702A7CBA730}" type="datetimeFigureOut">
               <a:rPr lang="zh-CN" altLang="en-US" smtClean="0"/>
-              <a:t>2018/1/9</a:t>
+              <a:t>2018/1/10</a:t>
             </a:fld>
             <a:endParaRPr lang="zh-CN" altLang="en-US"/>
           </a:p>
@@ -13277,7 +13278,7 @@
           <a:p>
             <a:fld id="{530820CF-B880-4189-942D-D702A7CBA730}" type="datetimeFigureOut">
               <a:rPr lang="zh-CN" altLang="en-US" smtClean="0"/>
-              <a:t>2018/1/9</a:t>
+              <a:t>2018/1/10</a:t>
             </a:fld>
             <a:endParaRPr lang="zh-CN" altLang="en-US"/>
           </a:p>
@@ -15024,6 +15025,65 @@
 </p:sld>
 </file>
 
+<file path=ppt/slides/slide9.xml><?xml version="1.0" encoding="utf-8"?>
+<p:sld xmlns:a="http://schemas.openxmlformats.org/drawingml/2006/main" xmlns:r="http://schemas.openxmlformats.org/officeDocument/2006/relationships" xmlns:p="http://schemas.openxmlformats.org/presentationml/2006/main">
+  <p:cSld>
+    <p:spTree>
+      <p:nvGrpSpPr>
+        <p:cNvPr id="1" name=""/>
+        <p:cNvGrpSpPr/>
+        <p:nvPr/>
+      </p:nvGrpSpPr>
+      <p:grpSpPr>
+        <a:xfrm>
+          <a:off x="0" y="0"/>
+          <a:ext cx="0" cy="0"/>
+          <a:chOff x="0" y="0"/>
+          <a:chExt cx="0" cy="0"/>
+        </a:xfrm>
+      </p:grpSpPr>
+      <p:sp>
+        <p:nvSpPr>
+          <p:cNvPr id="4" name="TextBox 3"/>
+          <p:cNvSpPr txBox="1"/>
+          <p:nvPr/>
+        </p:nvSpPr>
+        <p:spPr>
+          <a:xfrm>
+            <a:off x="3347864" y="2953833"/>
+            <a:ext cx="4752528" cy="1107996"/>
+          </a:xfrm>
+          <a:prstGeom prst="rect">
+            <a:avLst/>
+          </a:prstGeom>
+          <a:noFill/>
+        </p:spPr>
+        <p:txBody>
+          <a:bodyPr wrap="square" rtlCol="0">
+            <a:spAutoFit/>
+          </a:bodyPr>
+          <a:lstStyle/>
+          <a:p>
+            <a:r>
+              <a:rPr lang="zh-CN" altLang="en-US" sz="6600" b="1" dirty="0"/>
+              <a:t>谢谢</a:t>
+            </a:r>
+          </a:p>
+        </p:txBody>
+      </p:sp>
+    </p:spTree>
+    <p:extLst>
+      <p:ext uri="{BB962C8B-B14F-4D97-AF65-F5344CB8AC3E}">
+        <p14:creationId xmlns:p14="http://schemas.microsoft.com/office/powerpoint/2010/main" val="805128867"/>
+      </p:ext>
+    </p:extLst>
+  </p:cSld>
+  <p:clrMapOvr>
+    <a:masterClrMapping/>
+  </p:clrMapOvr>
+</p:sld>
+</file>
+
 <file path=ppt/theme/theme1.xml><?xml version="1.0" encoding="utf-8"?>
 <a:theme xmlns:a="http://schemas.openxmlformats.org/drawingml/2006/main" name="奥斯汀">
   <a:themeElements>

--- a/website/受控文件/需求变更/软件需求变更.pptx
+++ b/website/受控文件/需求变更/软件需求变更.pptx
@@ -12,8 +12,17 @@
     <p:sldId id="260" r:id="rId6"/>
     <p:sldId id="261" r:id="rId7"/>
     <p:sldId id="262" r:id="rId8"/>
-    <p:sldId id="263" r:id="rId9"/>
-    <p:sldId id="264" r:id="rId10"/>
+    <p:sldId id="271" r:id="rId9"/>
+    <p:sldId id="265" r:id="rId10"/>
+    <p:sldId id="266" r:id="rId11"/>
+    <p:sldId id="267" r:id="rId12"/>
+    <p:sldId id="268" r:id="rId13"/>
+    <p:sldId id="269" r:id="rId14"/>
+    <p:sldId id="272" r:id="rId15"/>
+    <p:sldId id="273" r:id="rId16"/>
+    <p:sldId id="270" r:id="rId17"/>
+    <p:sldId id="263" r:id="rId18"/>
+    <p:sldId id="264" r:id="rId19"/>
   </p:sldIdLst>
   <p:sldSz cx="9144000" cy="6858000" type="screen4x3"/>
   <p:notesSz cx="6858000" cy="9144000"/>
@@ -13846,6 +13855,2615 @@
 </p:sld>
 </file>
 
+<file path=ppt/slides/slide10.xml><?xml version="1.0" encoding="utf-8"?>
+<p:sld xmlns:a="http://schemas.openxmlformats.org/drawingml/2006/main" xmlns:r="http://schemas.openxmlformats.org/officeDocument/2006/relationships" xmlns:p="http://schemas.openxmlformats.org/presentationml/2006/main">
+  <p:cSld>
+    <p:spTree>
+      <p:nvGrpSpPr>
+        <p:cNvPr id="1" name=""/>
+        <p:cNvGrpSpPr/>
+        <p:nvPr/>
+      </p:nvGrpSpPr>
+      <p:grpSpPr>
+        <a:xfrm>
+          <a:off x="0" y="0"/>
+          <a:ext cx="0" cy="0"/>
+          <a:chOff x="0" y="0"/>
+          <a:chExt cx="0" cy="0"/>
+        </a:xfrm>
+      </p:grpSpPr>
+      <p:sp>
+        <p:nvSpPr>
+          <p:cNvPr id="4" name="标题 1"/>
+          <p:cNvSpPr txBox="1">
+            <a:spLocks/>
+          </p:cNvSpPr>
+          <p:nvPr/>
+        </p:nvSpPr>
+        <p:spPr>
+          <a:xfrm>
+            <a:off x="1043608" y="692696"/>
+            <a:ext cx="7024744" cy="685880"/>
+          </a:xfrm>
+          <a:prstGeom prst="rect">
+            <a:avLst/>
+          </a:prstGeom>
+        </p:spPr>
+        <p:txBody>
+          <a:bodyPr vert="horz" lIns="91440" tIns="45720" rIns="91440" bIns="45720" rtlCol="0" anchor="b">
+            <a:normAutofit fontScale="97500"/>
+          </a:bodyPr>
+          <a:lstStyle>
+            <a:lvl1pPr algn="l" defTabSz="914400" rtl="0" eaLnBrk="1" latinLnBrk="0" hangingPunct="1">
+              <a:spcBef>
+                <a:spcPct val="0"/>
+              </a:spcBef>
+              <a:buNone/>
+              <a:defRPr sz="4000" kern="1200">
+                <a:solidFill>
+                  <a:schemeClr val="accent1"/>
+                </a:solidFill>
+                <a:latin typeface="+mj-lt"/>
+                <a:ea typeface="+mj-ea"/>
+                <a:cs typeface="+mj-cs"/>
+              </a:defRPr>
+            </a:lvl1pPr>
+            <a:lvl2pPr eaLnBrk="1" hangingPunct="1">
+              <a:defRPr>
+                <a:solidFill>
+                  <a:schemeClr val="tx2"/>
+                </a:solidFill>
+              </a:defRPr>
+            </a:lvl2pPr>
+            <a:lvl3pPr eaLnBrk="1" hangingPunct="1">
+              <a:defRPr>
+                <a:solidFill>
+                  <a:schemeClr val="tx2"/>
+                </a:solidFill>
+              </a:defRPr>
+            </a:lvl3pPr>
+            <a:lvl4pPr eaLnBrk="1" hangingPunct="1">
+              <a:defRPr>
+                <a:solidFill>
+                  <a:schemeClr val="tx2"/>
+                </a:solidFill>
+              </a:defRPr>
+            </a:lvl4pPr>
+            <a:lvl5pPr eaLnBrk="1" hangingPunct="1">
+              <a:defRPr>
+                <a:solidFill>
+                  <a:schemeClr val="tx2"/>
+                </a:solidFill>
+              </a:defRPr>
+            </a:lvl5pPr>
+            <a:lvl6pPr eaLnBrk="1" hangingPunct="1">
+              <a:defRPr>
+                <a:solidFill>
+                  <a:schemeClr val="tx2"/>
+                </a:solidFill>
+              </a:defRPr>
+            </a:lvl6pPr>
+            <a:lvl7pPr eaLnBrk="1" hangingPunct="1">
+              <a:defRPr>
+                <a:solidFill>
+                  <a:schemeClr val="tx2"/>
+                </a:solidFill>
+              </a:defRPr>
+            </a:lvl7pPr>
+            <a:lvl8pPr eaLnBrk="1" hangingPunct="1">
+              <a:defRPr>
+                <a:solidFill>
+                  <a:schemeClr val="tx2"/>
+                </a:solidFill>
+              </a:defRPr>
+            </a:lvl8pPr>
+            <a:lvl9pPr eaLnBrk="1" hangingPunct="1">
+              <a:defRPr>
+                <a:solidFill>
+                  <a:schemeClr val="tx2"/>
+                </a:solidFill>
+              </a:defRPr>
+            </a:lvl9pPr>
+          </a:lstStyle>
+          <a:p>
+            <a:r>
+              <a:rPr lang="zh-CN" altLang="en-US" dirty="0" smtClean="0"/>
+              <a:t>会议记录</a:t>
+            </a:r>
+            <a:endParaRPr lang="zh-CN" altLang="en-US" dirty="0"/>
+          </a:p>
+        </p:txBody>
+      </p:sp>
+      <p:pic>
+        <p:nvPicPr>
+          <p:cNvPr id="2050" name="Picture 2"/>
+          <p:cNvPicPr>
+            <a:picLocks noChangeAspect="1" noChangeArrowheads="1"/>
+          </p:cNvPicPr>
+          <p:nvPr/>
+        </p:nvPicPr>
+        <p:blipFill>
+          <a:blip r:embed="rId2">
+            <a:extLst>
+              <a:ext uri="{28A0092B-C50C-407E-A947-70E740481C1C}">
+                <a14:useLocalDpi xmlns:a14="http://schemas.microsoft.com/office/drawing/2010/main" val="0"/>
+              </a:ext>
+            </a:extLst>
+          </a:blip>
+          <a:srcRect/>
+          <a:stretch>
+            <a:fillRect/>
+          </a:stretch>
+        </p:blipFill>
+        <p:spPr bwMode="auto">
+          <a:xfrm>
+            <a:off x="467544" y="1700808"/>
+            <a:ext cx="4088436" cy="3744416"/>
+          </a:xfrm>
+          <a:prstGeom prst="rect">
+            <a:avLst/>
+          </a:prstGeom>
+          <a:noFill/>
+          <a:ln>
+            <a:noFill/>
+          </a:ln>
+          <a:effectLst/>
+          <a:extLst>
+            <a:ext uri="{909E8E84-426E-40DD-AFC4-6F175D3DCCD1}">
+              <a14:hiddenFill xmlns:a14="http://schemas.microsoft.com/office/drawing/2010/main">
+                <a:solidFill>
+                  <a:schemeClr val="accent1"/>
+                </a:solidFill>
+              </a14:hiddenFill>
+            </a:ext>
+            <a:ext uri="{91240B29-F687-4F45-9708-019B960494DF}">
+              <a14:hiddenLine xmlns:a14="http://schemas.microsoft.com/office/drawing/2010/main" w="9525">
+                <a:solidFill>
+                  <a:schemeClr val="tx1"/>
+                </a:solidFill>
+                <a:miter lim="800000"/>
+                <a:headEnd/>
+                <a:tailEnd/>
+              </a14:hiddenLine>
+            </a:ext>
+            <a:ext uri="{AF507438-7753-43E0-B8FC-AC1667EBCBE1}">
+              <a14:hiddenEffects xmlns:a14="http://schemas.microsoft.com/office/drawing/2010/main">
+                <a:effectLst>
+                  <a:outerShdw dist="35921" dir="2700000" algn="ctr" rotWithShape="0">
+                    <a:schemeClr val="bg2"/>
+                  </a:outerShdw>
+                </a:effectLst>
+              </a14:hiddenEffects>
+            </a:ext>
+          </a:extLst>
+        </p:spPr>
+      </p:pic>
+      <p:pic>
+        <p:nvPicPr>
+          <p:cNvPr id="2051" name="Picture 3"/>
+          <p:cNvPicPr>
+            <a:picLocks noChangeAspect="1" noChangeArrowheads="1"/>
+          </p:cNvPicPr>
+          <p:nvPr/>
+        </p:nvPicPr>
+        <p:blipFill>
+          <a:blip r:embed="rId3">
+            <a:extLst>
+              <a:ext uri="{28A0092B-C50C-407E-A947-70E740481C1C}">
+                <a14:useLocalDpi xmlns:a14="http://schemas.microsoft.com/office/drawing/2010/main" val="0"/>
+              </a:ext>
+            </a:extLst>
+          </a:blip>
+          <a:srcRect/>
+          <a:stretch>
+            <a:fillRect/>
+          </a:stretch>
+        </p:blipFill>
+        <p:spPr bwMode="auto">
+          <a:xfrm>
+            <a:off x="4139952" y="3089670"/>
+            <a:ext cx="4615830" cy="3473451"/>
+          </a:xfrm>
+          <a:prstGeom prst="rect">
+            <a:avLst/>
+          </a:prstGeom>
+          <a:noFill/>
+          <a:ln>
+            <a:noFill/>
+          </a:ln>
+          <a:effectLst/>
+          <a:extLst>
+            <a:ext uri="{909E8E84-426E-40DD-AFC4-6F175D3DCCD1}">
+              <a14:hiddenFill xmlns:a14="http://schemas.microsoft.com/office/drawing/2010/main">
+                <a:solidFill>
+                  <a:schemeClr val="accent1"/>
+                </a:solidFill>
+              </a14:hiddenFill>
+            </a:ext>
+            <a:ext uri="{91240B29-F687-4F45-9708-019B960494DF}">
+              <a14:hiddenLine xmlns:a14="http://schemas.microsoft.com/office/drawing/2010/main" w="9525">
+                <a:solidFill>
+                  <a:schemeClr val="tx1"/>
+                </a:solidFill>
+                <a:miter lim="800000"/>
+                <a:headEnd/>
+                <a:tailEnd/>
+              </a14:hiddenLine>
+            </a:ext>
+            <a:ext uri="{AF507438-7753-43E0-B8FC-AC1667EBCBE1}">
+              <a14:hiddenEffects xmlns:a14="http://schemas.microsoft.com/office/drawing/2010/main">
+                <a:effectLst>
+                  <a:outerShdw dist="35921" dir="2700000" algn="ctr" rotWithShape="0">
+                    <a:schemeClr val="bg2"/>
+                  </a:outerShdw>
+                </a:effectLst>
+              </a14:hiddenEffects>
+            </a:ext>
+          </a:extLst>
+        </p:spPr>
+      </p:pic>
+    </p:spTree>
+    <p:extLst>
+      <p:ext uri="{BB962C8B-B14F-4D97-AF65-F5344CB8AC3E}">
+        <p14:creationId xmlns:p14="http://schemas.microsoft.com/office/powerpoint/2010/main" val="285658285"/>
+      </p:ext>
+    </p:extLst>
+  </p:cSld>
+  <p:clrMapOvr>
+    <a:masterClrMapping/>
+  </p:clrMapOvr>
+  <p:timing>
+    <p:tnLst>
+      <p:par>
+        <p:cTn id="1" dur="indefinite" restart="never" nodeType="tmRoot">
+          <p:childTnLst>
+            <p:seq concurrent="1" nextAc="seek">
+              <p:cTn id="2" dur="indefinite" nodeType="mainSeq">
+                <p:childTnLst>
+                  <p:par>
+                    <p:cTn id="3" fill="hold">
+                      <p:stCondLst>
+                        <p:cond delay="indefinite"/>
+                      </p:stCondLst>
+                      <p:childTnLst>
+                        <p:par>
+                          <p:cTn id="4" fill="hold">
+                            <p:stCondLst>
+                              <p:cond delay="0"/>
+                            </p:stCondLst>
+                            <p:childTnLst>
+                              <p:par>
+                                <p:cTn id="5" presetID="42" presetClass="entr" presetSubtype="0" fill="hold" nodeType="clickEffect">
+                                  <p:stCondLst>
+                                    <p:cond delay="0"/>
+                                  </p:stCondLst>
+                                  <p:childTnLst>
+                                    <p:set>
+                                      <p:cBhvr>
+                                        <p:cTn id="6" dur="1" fill="hold">
+                                          <p:stCondLst>
+                                            <p:cond delay="0"/>
+                                          </p:stCondLst>
+                                        </p:cTn>
+                                        <p:tgtEl>
+                                          <p:spTgt spid="2050"/>
+                                        </p:tgtEl>
+                                        <p:attrNameLst>
+                                          <p:attrName>style.visibility</p:attrName>
+                                        </p:attrNameLst>
+                                      </p:cBhvr>
+                                      <p:to>
+                                        <p:strVal val="visible"/>
+                                      </p:to>
+                                    </p:set>
+                                    <p:animEffect transition="in" filter="fade">
+                                      <p:cBhvr>
+                                        <p:cTn id="7" dur="1000"/>
+                                        <p:tgtEl>
+                                          <p:spTgt spid="2050"/>
+                                        </p:tgtEl>
+                                      </p:cBhvr>
+                                    </p:animEffect>
+                                    <p:anim calcmode="lin" valueType="num">
+                                      <p:cBhvr>
+                                        <p:cTn id="8" dur="1000" fill="hold"/>
+                                        <p:tgtEl>
+                                          <p:spTgt spid="2050"/>
+                                        </p:tgtEl>
+                                        <p:attrNameLst>
+                                          <p:attrName>ppt_x</p:attrName>
+                                        </p:attrNameLst>
+                                      </p:cBhvr>
+                                      <p:tavLst>
+                                        <p:tav tm="0">
+                                          <p:val>
+                                            <p:strVal val="#ppt_x"/>
+                                          </p:val>
+                                        </p:tav>
+                                        <p:tav tm="100000">
+                                          <p:val>
+                                            <p:strVal val="#ppt_x"/>
+                                          </p:val>
+                                        </p:tav>
+                                      </p:tavLst>
+                                    </p:anim>
+                                    <p:anim calcmode="lin" valueType="num">
+                                      <p:cBhvr>
+                                        <p:cTn id="9" dur="1000" fill="hold"/>
+                                        <p:tgtEl>
+                                          <p:spTgt spid="2050"/>
+                                        </p:tgtEl>
+                                        <p:attrNameLst>
+                                          <p:attrName>ppt_y</p:attrName>
+                                        </p:attrNameLst>
+                                      </p:cBhvr>
+                                      <p:tavLst>
+                                        <p:tav tm="0">
+                                          <p:val>
+                                            <p:strVal val="#ppt_y+.1"/>
+                                          </p:val>
+                                        </p:tav>
+                                        <p:tav tm="100000">
+                                          <p:val>
+                                            <p:strVal val="#ppt_y"/>
+                                          </p:val>
+                                        </p:tav>
+                                      </p:tavLst>
+                                    </p:anim>
+                                  </p:childTnLst>
+                                </p:cTn>
+                              </p:par>
+                            </p:childTnLst>
+                          </p:cTn>
+                        </p:par>
+                      </p:childTnLst>
+                    </p:cTn>
+                  </p:par>
+                  <p:par>
+                    <p:cTn id="10" fill="hold">
+                      <p:stCondLst>
+                        <p:cond delay="indefinite"/>
+                      </p:stCondLst>
+                      <p:childTnLst>
+                        <p:par>
+                          <p:cTn id="11" fill="hold">
+                            <p:stCondLst>
+                              <p:cond delay="0"/>
+                            </p:stCondLst>
+                            <p:childTnLst>
+                              <p:par>
+                                <p:cTn id="12" presetID="42" presetClass="entr" presetSubtype="0" fill="hold" nodeType="clickEffect">
+                                  <p:stCondLst>
+                                    <p:cond delay="0"/>
+                                  </p:stCondLst>
+                                  <p:childTnLst>
+                                    <p:set>
+                                      <p:cBhvr>
+                                        <p:cTn id="13" dur="1" fill="hold">
+                                          <p:stCondLst>
+                                            <p:cond delay="0"/>
+                                          </p:stCondLst>
+                                        </p:cTn>
+                                        <p:tgtEl>
+                                          <p:spTgt spid="2051"/>
+                                        </p:tgtEl>
+                                        <p:attrNameLst>
+                                          <p:attrName>style.visibility</p:attrName>
+                                        </p:attrNameLst>
+                                      </p:cBhvr>
+                                      <p:to>
+                                        <p:strVal val="visible"/>
+                                      </p:to>
+                                    </p:set>
+                                    <p:animEffect transition="in" filter="fade">
+                                      <p:cBhvr>
+                                        <p:cTn id="14" dur="1000"/>
+                                        <p:tgtEl>
+                                          <p:spTgt spid="2051"/>
+                                        </p:tgtEl>
+                                      </p:cBhvr>
+                                    </p:animEffect>
+                                    <p:anim calcmode="lin" valueType="num">
+                                      <p:cBhvr>
+                                        <p:cTn id="15" dur="1000" fill="hold"/>
+                                        <p:tgtEl>
+                                          <p:spTgt spid="2051"/>
+                                        </p:tgtEl>
+                                        <p:attrNameLst>
+                                          <p:attrName>ppt_x</p:attrName>
+                                        </p:attrNameLst>
+                                      </p:cBhvr>
+                                      <p:tavLst>
+                                        <p:tav tm="0">
+                                          <p:val>
+                                            <p:strVal val="#ppt_x"/>
+                                          </p:val>
+                                        </p:tav>
+                                        <p:tav tm="100000">
+                                          <p:val>
+                                            <p:strVal val="#ppt_x"/>
+                                          </p:val>
+                                        </p:tav>
+                                      </p:tavLst>
+                                    </p:anim>
+                                    <p:anim calcmode="lin" valueType="num">
+                                      <p:cBhvr>
+                                        <p:cTn id="16" dur="1000" fill="hold"/>
+                                        <p:tgtEl>
+                                          <p:spTgt spid="2051"/>
+                                        </p:tgtEl>
+                                        <p:attrNameLst>
+                                          <p:attrName>ppt_y</p:attrName>
+                                        </p:attrNameLst>
+                                      </p:cBhvr>
+                                      <p:tavLst>
+                                        <p:tav tm="0">
+                                          <p:val>
+                                            <p:strVal val="#ppt_y+.1"/>
+                                          </p:val>
+                                        </p:tav>
+                                        <p:tav tm="100000">
+                                          <p:val>
+                                            <p:strVal val="#ppt_y"/>
+                                          </p:val>
+                                        </p:tav>
+                                      </p:tavLst>
+                                    </p:anim>
+                                  </p:childTnLst>
+                                </p:cTn>
+                              </p:par>
+                            </p:childTnLst>
+                          </p:cTn>
+                        </p:par>
+                      </p:childTnLst>
+                    </p:cTn>
+                  </p:par>
+                </p:childTnLst>
+              </p:cTn>
+              <p:prevCondLst>
+                <p:cond evt="onPrev" delay="0">
+                  <p:tgtEl>
+                    <p:sldTgt/>
+                  </p:tgtEl>
+                </p:cond>
+              </p:prevCondLst>
+              <p:nextCondLst>
+                <p:cond evt="onNext" delay="0">
+                  <p:tgtEl>
+                    <p:sldTgt/>
+                  </p:tgtEl>
+                </p:cond>
+              </p:nextCondLst>
+            </p:seq>
+          </p:childTnLst>
+        </p:cTn>
+      </p:par>
+    </p:tnLst>
+  </p:timing>
+</p:sld>
+</file>
+
+<file path=ppt/slides/slide11.xml><?xml version="1.0" encoding="utf-8"?>
+<p:sld xmlns:a="http://schemas.openxmlformats.org/drawingml/2006/main" xmlns:r="http://schemas.openxmlformats.org/officeDocument/2006/relationships" xmlns:p="http://schemas.openxmlformats.org/presentationml/2006/main">
+  <p:cSld>
+    <p:spTree>
+      <p:nvGrpSpPr>
+        <p:cNvPr id="1" name=""/>
+        <p:cNvGrpSpPr/>
+        <p:nvPr/>
+      </p:nvGrpSpPr>
+      <p:grpSpPr>
+        <a:xfrm>
+          <a:off x="0" y="0"/>
+          <a:ext cx="0" cy="0"/>
+          <a:chOff x="0" y="0"/>
+          <a:chExt cx="0" cy="0"/>
+        </a:xfrm>
+      </p:grpSpPr>
+      <p:sp>
+        <p:nvSpPr>
+          <p:cNvPr id="3" name="内容占位符 2"/>
+          <p:cNvSpPr>
+            <a:spLocks noGrp="1"/>
+          </p:cNvSpPr>
+          <p:nvPr>
+            <p:ph idx="1"/>
+          </p:nvPr>
+        </p:nvSpPr>
+        <p:spPr>
+          <a:xfrm>
+            <a:off x="1043492" y="1556792"/>
+            <a:ext cx="6777317" cy="4275837"/>
+          </a:xfrm>
+        </p:spPr>
+        <p:txBody>
+          <a:bodyPr/>
+          <a:lstStyle/>
+          <a:p>
+            <a:r>
+              <a:rPr lang="zh-CN" altLang="en-US" dirty="0" smtClean="0"/>
+              <a:t>我们小组版本变更：小修改增加</a:t>
+            </a:r>
+            <a:r>
+              <a:rPr lang="en-US" altLang="zh-CN" dirty="0" smtClean="0"/>
+              <a:t>0.1</a:t>
+            </a:r>
+            <a:r>
+              <a:rPr lang="zh-CN" altLang="en-US" dirty="0" smtClean="0"/>
+              <a:t>版本由，功能大修改直接增进</a:t>
+            </a:r>
+            <a:r>
+              <a:rPr lang="en-US" altLang="zh-CN" dirty="0" smtClean="0"/>
+              <a:t>1</a:t>
+            </a:r>
+            <a:r>
+              <a:rPr lang="zh-CN" altLang="en-US" dirty="0" smtClean="0"/>
+              <a:t>版本；由于本次需求变更不大，基本没什么影响，所以与需求基线不冲突。</a:t>
+            </a:r>
+            <a:endParaRPr lang="en-US" altLang="zh-CN" dirty="0" smtClean="0"/>
+          </a:p>
+          <a:p>
+            <a:r>
+              <a:rPr lang="zh-CN" altLang="en-US" dirty="0" smtClean="0"/>
+              <a:t>由于本次需求变更没什么大变动，因此打分表申请不修改。</a:t>
+            </a:r>
+            <a:endParaRPr lang="zh-CN" altLang="en-US" dirty="0"/>
+          </a:p>
+        </p:txBody>
+      </p:sp>
+      <p:sp>
+        <p:nvSpPr>
+          <p:cNvPr id="4" name="标题 1"/>
+          <p:cNvSpPr txBox="1">
+            <a:spLocks/>
+          </p:cNvSpPr>
+          <p:nvPr/>
+        </p:nvSpPr>
+        <p:spPr>
+          <a:xfrm>
+            <a:off x="1043608" y="692696"/>
+            <a:ext cx="7024744" cy="685880"/>
+          </a:xfrm>
+          <a:prstGeom prst="rect">
+            <a:avLst/>
+          </a:prstGeom>
+        </p:spPr>
+        <p:txBody>
+          <a:bodyPr vert="horz" lIns="91440" tIns="45720" rIns="91440" bIns="45720" rtlCol="0" anchor="b">
+            <a:normAutofit fontScale="97500"/>
+          </a:bodyPr>
+          <a:lstStyle>
+            <a:lvl1pPr algn="l" defTabSz="914400" rtl="0" eaLnBrk="1" latinLnBrk="0" hangingPunct="1">
+              <a:spcBef>
+                <a:spcPct val="0"/>
+              </a:spcBef>
+              <a:buNone/>
+              <a:defRPr sz="4000" kern="1200">
+                <a:solidFill>
+                  <a:schemeClr val="accent1"/>
+                </a:solidFill>
+                <a:latin typeface="+mj-lt"/>
+                <a:ea typeface="+mj-ea"/>
+                <a:cs typeface="+mj-cs"/>
+              </a:defRPr>
+            </a:lvl1pPr>
+            <a:lvl2pPr eaLnBrk="1" hangingPunct="1">
+              <a:defRPr>
+                <a:solidFill>
+                  <a:schemeClr val="tx2"/>
+                </a:solidFill>
+              </a:defRPr>
+            </a:lvl2pPr>
+            <a:lvl3pPr eaLnBrk="1" hangingPunct="1">
+              <a:defRPr>
+                <a:solidFill>
+                  <a:schemeClr val="tx2"/>
+                </a:solidFill>
+              </a:defRPr>
+            </a:lvl3pPr>
+            <a:lvl4pPr eaLnBrk="1" hangingPunct="1">
+              <a:defRPr>
+                <a:solidFill>
+                  <a:schemeClr val="tx2"/>
+                </a:solidFill>
+              </a:defRPr>
+            </a:lvl4pPr>
+            <a:lvl5pPr eaLnBrk="1" hangingPunct="1">
+              <a:defRPr>
+                <a:solidFill>
+                  <a:schemeClr val="tx2"/>
+                </a:solidFill>
+              </a:defRPr>
+            </a:lvl5pPr>
+            <a:lvl6pPr eaLnBrk="1" hangingPunct="1">
+              <a:defRPr>
+                <a:solidFill>
+                  <a:schemeClr val="tx2"/>
+                </a:solidFill>
+              </a:defRPr>
+            </a:lvl6pPr>
+            <a:lvl7pPr eaLnBrk="1" hangingPunct="1">
+              <a:defRPr>
+                <a:solidFill>
+                  <a:schemeClr val="tx2"/>
+                </a:solidFill>
+              </a:defRPr>
+            </a:lvl7pPr>
+            <a:lvl8pPr eaLnBrk="1" hangingPunct="1">
+              <a:defRPr>
+                <a:solidFill>
+                  <a:schemeClr val="tx2"/>
+                </a:solidFill>
+              </a:defRPr>
+            </a:lvl8pPr>
+            <a:lvl9pPr eaLnBrk="1" hangingPunct="1">
+              <a:defRPr>
+                <a:solidFill>
+                  <a:schemeClr val="tx2"/>
+                </a:solidFill>
+              </a:defRPr>
+            </a:lvl9pPr>
+          </a:lstStyle>
+          <a:p>
+            <a:r>
+              <a:rPr lang="zh-CN" altLang="en-US" dirty="0" smtClean="0"/>
+              <a:t>需求基线、</a:t>
+            </a:r>
+            <a:r>
+              <a:rPr lang="zh-CN" altLang="en-US" dirty="0"/>
+              <a:t>需求优先级</a:t>
+            </a:r>
+            <a:r>
+              <a:rPr lang="zh-CN" altLang="en-US" dirty="0" smtClean="0"/>
+              <a:t>打分</a:t>
+            </a:r>
+            <a:endParaRPr lang="zh-CN" altLang="en-US" dirty="0"/>
+          </a:p>
+        </p:txBody>
+      </p:sp>
+    </p:spTree>
+    <p:extLst>
+      <p:ext uri="{BB962C8B-B14F-4D97-AF65-F5344CB8AC3E}">
+        <p14:creationId xmlns:p14="http://schemas.microsoft.com/office/powerpoint/2010/main" val="4042443621"/>
+      </p:ext>
+    </p:extLst>
+  </p:cSld>
+  <p:clrMapOvr>
+    <a:masterClrMapping/>
+  </p:clrMapOvr>
+  <p:timing>
+    <p:tnLst>
+      <p:par>
+        <p:cTn id="1" dur="indefinite" restart="never" nodeType="tmRoot"/>
+      </p:par>
+    </p:tnLst>
+  </p:timing>
+</p:sld>
+</file>
+
+<file path=ppt/slides/slide12.xml><?xml version="1.0" encoding="utf-8"?>
+<p:sld xmlns:a="http://schemas.openxmlformats.org/drawingml/2006/main" xmlns:r="http://schemas.openxmlformats.org/officeDocument/2006/relationships" xmlns:p="http://schemas.openxmlformats.org/presentationml/2006/main">
+  <p:cSld>
+    <p:spTree>
+      <p:nvGrpSpPr>
+        <p:cNvPr id="1" name=""/>
+        <p:cNvGrpSpPr/>
+        <p:nvPr/>
+      </p:nvGrpSpPr>
+      <p:grpSpPr>
+        <a:xfrm>
+          <a:off x="0" y="0"/>
+          <a:ext cx="0" cy="0"/>
+          <a:chOff x="0" y="0"/>
+          <a:chExt cx="0" cy="0"/>
+        </a:xfrm>
+      </p:grpSpPr>
+      <p:sp>
+        <p:nvSpPr>
+          <p:cNvPr id="4" name="标题 1"/>
+          <p:cNvSpPr txBox="1">
+            <a:spLocks/>
+          </p:cNvSpPr>
+          <p:nvPr/>
+        </p:nvSpPr>
+        <p:spPr>
+          <a:xfrm>
+            <a:off x="1043608" y="692696"/>
+            <a:ext cx="7024744" cy="685880"/>
+          </a:xfrm>
+          <a:prstGeom prst="rect">
+            <a:avLst/>
+          </a:prstGeom>
+        </p:spPr>
+        <p:txBody>
+          <a:bodyPr vert="horz" lIns="91440" tIns="45720" rIns="91440" bIns="45720" rtlCol="0" anchor="b">
+            <a:normAutofit fontScale="97500"/>
+          </a:bodyPr>
+          <a:lstStyle>
+            <a:lvl1pPr algn="l" defTabSz="914400" rtl="0" eaLnBrk="1" latinLnBrk="0" hangingPunct="1">
+              <a:spcBef>
+                <a:spcPct val="0"/>
+              </a:spcBef>
+              <a:buNone/>
+              <a:defRPr sz="4000" kern="1200">
+                <a:solidFill>
+                  <a:schemeClr val="accent1"/>
+                </a:solidFill>
+                <a:latin typeface="+mj-lt"/>
+                <a:ea typeface="+mj-ea"/>
+                <a:cs typeface="+mj-cs"/>
+              </a:defRPr>
+            </a:lvl1pPr>
+            <a:lvl2pPr eaLnBrk="1" hangingPunct="1">
+              <a:defRPr>
+                <a:solidFill>
+                  <a:schemeClr val="tx2"/>
+                </a:solidFill>
+              </a:defRPr>
+            </a:lvl2pPr>
+            <a:lvl3pPr eaLnBrk="1" hangingPunct="1">
+              <a:defRPr>
+                <a:solidFill>
+                  <a:schemeClr val="tx2"/>
+                </a:solidFill>
+              </a:defRPr>
+            </a:lvl3pPr>
+            <a:lvl4pPr eaLnBrk="1" hangingPunct="1">
+              <a:defRPr>
+                <a:solidFill>
+                  <a:schemeClr val="tx2"/>
+                </a:solidFill>
+              </a:defRPr>
+            </a:lvl4pPr>
+            <a:lvl5pPr eaLnBrk="1" hangingPunct="1">
+              <a:defRPr>
+                <a:solidFill>
+                  <a:schemeClr val="tx2"/>
+                </a:solidFill>
+              </a:defRPr>
+            </a:lvl5pPr>
+            <a:lvl6pPr eaLnBrk="1" hangingPunct="1">
+              <a:defRPr>
+                <a:solidFill>
+                  <a:schemeClr val="tx2"/>
+                </a:solidFill>
+              </a:defRPr>
+            </a:lvl6pPr>
+            <a:lvl7pPr eaLnBrk="1" hangingPunct="1">
+              <a:defRPr>
+                <a:solidFill>
+                  <a:schemeClr val="tx2"/>
+                </a:solidFill>
+              </a:defRPr>
+            </a:lvl7pPr>
+            <a:lvl8pPr eaLnBrk="1" hangingPunct="1">
+              <a:defRPr>
+                <a:solidFill>
+                  <a:schemeClr val="tx2"/>
+                </a:solidFill>
+              </a:defRPr>
+            </a:lvl8pPr>
+            <a:lvl9pPr eaLnBrk="1" hangingPunct="1">
+              <a:defRPr>
+                <a:solidFill>
+                  <a:schemeClr val="tx2"/>
+                </a:solidFill>
+              </a:defRPr>
+            </a:lvl9pPr>
+          </a:lstStyle>
+          <a:p>
+            <a:r>
+              <a:rPr lang="zh-CN" altLang="en-US" dirty="0" smtClean="0"/>
+              <a:t>前后修改</a:t>
+            </a:r>
+            <a:endParaRPr lang="zh-CN" altLang="en-US" dirty="0"/>
+          </a:p>
+        </p:txBody>
+      </p:sp>
+      <p:pic>
+        <p:nvPicPr>
+          <p:cNvPr id="3074" name="Picture 2"/>
+          <p:cNvPicPr>
+            <a:picLocks noChangeAspect="1" noChangeArrowheads="1"/>
+          </p:cNvPicPr>
+          <p:nvPr/>
+        </p:nvPicPr>
+        <p:blipFill>
+          <a:blip r:embed="rId2">
+            <a:extLst>
+              <a:ext uri="{28A0092B-C50C-407E-A947-70E740481C1C}">
+                <a14:useLocalDpi xmlns:a14="http://schemas.microsoft.com/office/drawing/2010/main" val="0"/>
+              </a:ext>
+            </a:extLst>
+          </a:blip>
+          <a:srcRect/>
+          <a:stretch>
+            <a:fillRect/>
+          </a:stretch>
+        </p:blipFill>
+        <p:spPr bwMode="auto">
+          <a:xfrm>
+            <a:off x="493253" y="1378576"/>
+            <a:ext cx="6190286" cy="2903418"/>
+          </a:xfrm>
+          <a:prstGeom prst="rect">
+            <a:avLst/>
+          </a:prstGeom>
+          <a:noFill/>
+          <a:ln>
+            <a:noFill/>
+          </a:ln>
+          <a:effectLst/>
+          <a:extLst>
+            <a:ext uri="{909E8E84-426E-40DD-AFC4-6F175D3DCCD1}">
+              <a14:hiddenFill xmlns:a14="http://schemas.microsoft.com/office/drawing/2010/main">
+                <a:solidFill>
+                  <a:schemeClr val="accent1"/>
+                </a:solidFill>
+              </a14:hiddenFill>
+            </a:ext>
+            <a:ext uri="{91240B29-F687-4F45-9708-019B960494DF}">
+              <a14:hiddenLine xmlns:a14="http://schemas.microsoft.com/office/drawing/2010/main" w="9525">
+                <a:solidFill>
+                  <a:schemeClr val="tx1"/>
+                </a:solidFill>
+                <a:miter lim="800000"/>
+                <a:headEnd/>
+                <a:tailEnd/>
+              </a14:hiddenLine>
+            </a:ext>
+            <a:ext uri="{AF507438-7753-43E0-B8FC-AC1667EBCBE1}">
+              <a14:hiddenEffects xmlns:a14="http://schemas.microsoft.com/office/drawing/2010/main">
+                <a:effectLst>
+                  <a:outerShdw dist="35921" dir="2700000" algn="ctr" rotWithShape="0">
+                    <a:schemeClr val="bg2"/>
+                  </a:outerShdw>
+                </a:effectLst>
+              </a14:hiddenEffects>
+            </a:ext>
+          </a:extLst>
+        </p:spPr>
+      </p:pic>
+      <p:pic>
+        <p:nvPicPr>
+          <p:cNvPr id="3075" name="Picture 3"/>
+          <p:cNvPicPr>
+            <a:picLocks noChangeAspect="1" noChangeArrowheads="1"/>
+          </p:cNvPicPr>
+          <p:nvPr/>
+        </p:nvPicPr>
+        <p:blipFill>
+          <a:blip r:embed="rId3">
+            <a:extLst>
+              <a:ext uri="{28A0092B-C50C-407E-A947-70E740481C1C}">
+                <a14:useLocalDpi xmlns:a14="http://schemas.microsoft.com/office/drawing/2010/main" val="0"/>
+              </a:ext>
+            </a:extLst>
+          </a:blip>
+          <a:srcRect/>
+          <a:stretch>
+            <a:fillRect/>
+          </a:stretch>
+        </p:blipFill>
+        <p:spPr bwMode="auto">
+          <a:xfrm>
+            <a:off x="2362400" y="3789040"/>
+            <a:ext cx="6318700" cy="2711138"/>
+          </a:xfrm>
+          <a:prstGeom prst="rect">
+            <a:avLst/>
+          </a:prstGeom>
+          <a:noFill/>
+          <a:ln>
+            <a:noFill/>
+          </a:ln>
+          <a:effectLst/>
+          <a:extLst>
+            <a:ext uri="{909E8E84-426E-40DD-AFC4-6F175D3DCCD1}">
+              <a14:hiddenFill xmlns:a14="http://schemas.microsoft.com/office/drawing/2010/main">
+                <a:solidFill>
+                  <a:schemeClr val="accent1"/>
+                </a:solidFill>
+              </a14:hiddenFill>
+            </a:ext>
+            <a:ext uri="{91240B29-F687-4F45-9708-019B960494DF}">
+              <a14:hiddenLine xmlns:a14="http://schemas.microsoft.com/office/drawing/2010/main" w="9525">
+                <a:solidFill>
+                  <a:schemeClr val="tx1"/>
+                </a:solidFill>
+                <a:miter lim="800000"/>
+                <a:headEnd/>
+                <a:tailEnd/>
+              </a14:hiddenLine>
+            </a:ext>
+            <a:ext uri="{AF507438-7753-43E0-B8FC-AC1667EBCBE1}">
+              <a14:hiddenEffects xmlns:a14="http://schemas.microsoft.com/office/drawing/2010/main">
+                <a:effectLst>
+                  <a:outerShdw dist="35921" dir="2700000" algn="ctr" rotWithShape="0">
+                    <a:schemeClr val="bg2"/>
+                  </a:outerShdw>
+                </a:effectLst>
+              </a14:hiddenEffects>
+            </a:ext>
+          </a:extLst>
+        </p:spPr>
+      </p:pic>
+    </p:spTree>
+    <p:extLst>
+      <p:ext uri="{BB962C8B-B14F-4D97-AF65-F5344CB8AC3E}">
+        <p14:creationId xmlns:p14="http://schemas.microsoft.com/office/powerpoint/2010/main" val="3376941755"/>
+      </p:ext>
+    </p:extLst>
+  </p:cSld>
+  <p:clrMapOvr>
+    <a:masterClrMapping/>
+  </p:clrMapOvr>
+  <p:timing>
+    <p:tnLst>
+      <p:par>
+        <p:cTn id="1" dur="indefinite" restart="never" nodeType="tmRoot">
+          <p:childTnLst>
+            <p:seq concurrent="1" nextAc="seek">
+              <p:cTn id="2" dur="indefinite" nodeType="mainSeq">
+                <p:childTnLst>
+                  <p:par>
+                    <p:cTn id="3" fill="hold">
+                      <p:stCondLst>
+                        <p:cond delay="indefinite"/>
+                      </p:stCondLst>
+                      <p:childTnLst>
+                        <p:par>
+                          <p:cTn id="4" fill="hold">
+                            <p:stCondLst>
+                              <p:cond delay="0"/>
+                            </p:stCondLst>
+                            <p:childTnLst>
+                              <p:par>
+                                <p:cTn id="5" presetID="42" presetClass="entr" presetSubtype="0" fill="hold" nodeType="clickEffect">
+                                  <p:stCondLst>
+                                    <p:cond delay="0"/>
+                                  </p:stCondLst>
+                                  <p:childTnLst>
+                                    <p:set>
+                                      <p:cBhvr>
+                                        <p:cTn id="6" dur="1" fill="hold">
+                                          <p:stCondLst>
+                                            <p:cond delay="0"/>
+                                          </p:stCondLst>
+                                        </p:cTn>
+                                        <p:tgtEl>
+                                          <p:spTgt spid="3074"/>
+                                        </p:tgtEl>
+                                        <p:attrNameLst>
+                                          <p:attrName>style.visibility</p:attrName>
+                                        </p:attrNameLst>
+                                      </p:cBhvr>
+                                      <p:to>
+                                        <p:strVal val="visible"/>
+                                      </p:to>
+                                    </p:set>
+                                    <p:animEffect transition="in" filter="fade">
+                                      <p:cBhvr>
+                                        <p:cTn id="7" dur="1000"/>
+                                        <p:tgtEl>
+                                          <p:spTgt spid="3074"/>
+                                        </p:tgtEl>
+                                      </p:cBhvr>
+                                    </p:animEffect>
+                                    <p:anim calcmode="lin" valueType="num">
+                                      <p:cBhvr>
+                                        <p:cTn id="8" dur="1000" fill="hold"/>
+                                        <p:tgtEl>
+                                          <p:spTgt spid="3074"/>
+                                        </p:tgtEl>
+                                        <p:attrNameLst>
+                                          <p:attrName>ppt_x</p:attrName>
+                                        </p:attrNameLst>
+                                      </p:cBhvr>
+                                      <p:tavLst>
+                                        <p:tav tm="0">
+                                          <p:val>
+                                            <p:strVal val="#ppt_x"/>
+                                          </p:val>
+                                        </p:tav>
+                                        <p:tav tm="100000">
+                                          <p:val>
+                                            <p:strVal val="#ppt_x"/>
+                                          </p:val>
+                                        </p:tav>
+                                      </p:tavLst>
+                                    </p:anim>
+                                    <p:anim calcmode="lin" valueType="num">
+                                      <p:cBhvr>
+                                        <p:cTn id="9" dur="1000" fill="hold"/>
+                                        <p:tgtEl>
+                                          <p:spTgt spid="3074"/>
+                                        </p:tgtEl>
+                                        <p:attrNameLst>
+                                          <p:attrName>ppt_y</p:attrName>
+                                        </p:attrNameLst>
+                                      </p:cBhvr>
+                                      <p:tavLst>
+                                        <p:tav tm="0">
+                                          <p:val>
+                                            <p:strVal val="#ppt_y+.1"/>
+                                          </p:val>
+                                        </p:tav>
+                                        <p:tav tm="100000">
+                                          <p:val>
+                                            <p:strVal val="#ppt_y"/>
+                                          </p:val>
+                                        </p:tav>
+                                      </p:tavLst>
+                                    </p:anim>
+                                  </p:childTnLst>
+                                </p:cTn>
+                              </p:par>
+                            </p:childTnLst>
+                          </p:cTn>
+                        </p:par>
+                      </p:childTnLst>
+                    </p:cTn>
+                  </p:par>
+                  <p:par>
+                    <p:cTn id="10" fill="hold">
+                      <p:stCondLst>
+                        <p:cond delay="indefinite"/>
+                      </p:stCondLst>
+                      <p:childTnLst>
+                        <p:par>
+                          <p:cTn id="11" fill="hold">
+                            <p:stCondLst>
+                              <p:cond delay="0"/>
+                            </p:stCondLst>
+                            <p:childTnLst>
+                              <p:par>
+                                <p:cTn id="12" presetID="42" presetClass="entr" presetSubtype="0" fill="hold" nodeType="clickEffect">
+                                  <p:stCondLst>
+                                    <p:cond delay="0"/>
+                                  </p:stCondLst>
+                                  <p:childTnLst>
+                                    <p:set>
+                                      <p:cBhvr>
+                                        <p:cTn id="13" dur="1" fill="hold">
+                                          <p:stCondLst>
+                                            <p:cond delay="0"/>
+                                          </p:stCondLst>
+                                        </p:cTn>
+                                        <p:tgtEl>
+                                          <p:spTgt spid="3075"/>
+                                        </p:tgtEl>
+                                        <p:attrNameLst>
+                                          <p:attrName>style.visibility</p:attrName>
+                                        </p:attrNameLst>
+                                      </p:cBhvr>
+                                      <p:to>
+                                        <p:strVal val="visible"/>
+                                      </p:to>
+                                    </p:set>
+                                    <p:animEffect transition="in" filter="fade">
+                                      <p:cBhvr>
+                                        <p:cTn id="14" dur="1000"/>
+                                        <p:tgtEl>
+                                          <p:spTgt spid="3075"/>
+                                        </p:tgtEl>
+                                      </p:cBhvr>
+                                    </p:animEffect>
+                                    <p:anim calcmode="lin" valueType="num">
+                                      <p:cBhvr>
+                                        <p:cTn id="15" dur="1000" fill="hold"/>
+                                        <p:tgtEl>
+                                          <p:spTgt spid="3075"/>
+                                        </p:tgtEl>
+                                        <p:attrNameLst>
+                                          <p:attrName>ppt_x</p:attrName>
+                                        </p:attrNameLst>
+                                      </p:cBhvr>
+                                      <p:tavLst>
+                                        <p:tav tm="0">
+                                          <p:val>
+                                            <p:strVal val="#ppt_x"/>
+                                          </p:val>
+                                        </p:tav>
+                                        <p:tav tm="100000">
+                                          <p:val>
+                                            <p:strVal val="#ppt_x"/>
+                                          </p:val>
+                                        </p:tav>
+                                      </p:tavLst>
+                                    </p:anim>
+                                    <p:anim calcmode="lin" valueType="num">
+                                      <p:cBhvr>
+                                        <p:cTn id="16" dur="1000" fill="hold"/>
+                                        <p:tgtEl>
+                                          <p:spTgt spid="3075"/>
+                                        </p:tgtEl>
+                                        <p:attrNameLst>
+                                          <p:attrName>ppt_y</p:attrName>
+                                        </p:attrNameLst>
+                                      </p:cBhvr>
+                                      <p:tavLst>
+                                        <p:tav tm="0">
+                                          <p:val>
+                                            <p:strVal val="#ppt_y+.1"/>
+                                          </p:val>
+                                        </p:tav>
+                                        <p:tav tm="100000">
+                                          <p:val>
+                                            <p:strVal val="#ppt_y"/>
+                                          </p:val>
+                                        </p:tav>
+                                      </p:tavLst>
+                                    </p:anim>
+                                  </p:childTnLst>
+                                </p:cTn>
+                              </p:par>
+                            </p:childTnLst>
+                          </p:cTn>
+                        </p:par>
+                      </p:childTnLst>
+                    </p:cTn>
+                  </p:par>
+                </p:childTnLst>
+              </p:cTn>
+              <p:prevCondLst>
+                <p:cond evt="onPrev" delay="0">
+                  <p:tgtEl>
+                    <p:sldTgt/>
+                  </p:tgtEl>
+                </p:cond>
+              </p:prevCondLst>
+              <p:nextCondLst>
+                <p:cond evt="onNext" delay="0">
+                  <p:tgtEl>
+                    <p:sldTgt/>
+                  </p:tgtEl>
+                </p:cond>
+              </p:nextCondLst>
+            </p:seq>
+          </p:childTnLst>
+        </p:cTn>
+      </p:par>
+    </p:tnLst>
+  </p:timing>
+</p:sld>
+</file>
+
+<file path=ppt/slides/slide13.xml><?xml version="1.0" encoding="utf-8"?>
+<p:sld xmlns:a="http://schemas.openxmlformats.org/drawingml/2006/main" xmlns:r="http://schemas.openxmlformats.org/officeDocument/2006/relationships" xmlns:p="http://schemas.openxmlformats.org/presentationml/2006/main">
+  <p:cSld>
+    <p:spTree>
+      <p:nvGrpSpPr>
+        <p:cNvPr id="1" name=""/>
+        <p:cNvGrpSpPr/>
+        <p:nvPr/>
+      </p:nvGrpSpPr>
+      <p:grpSpPr>
+        <a:xfrm>
+          <a:off x="0" y="0"/>
+          <a:ext cx="0" cy="0"/>
+          <a:chOff x="0" y="0"/>
+          <a:chExt cx="0" cy="0"/>
+        </a:xfrm>
+      </p:grpSpPr>
+      <p:sp>
+        <p:nvSpPr>
+          <p:cNvPr id="4" name="标题 1"/>
+          <p:cNvSpPr txBox="1">
+            <a:spLocks/>
+          </p:cNvSpPr>
+          <p:nvPr/>
+        </p:nvSpPr>
+        <p:spPr>
+          <a:xfrm>
+            <a:off x="1043608" y="692696"/>
+            <a:ext cx="7024744" cy="685880"/>
+          </a:xfrm>
+          <a:prstGeom prst="rect">
+            <a:avLst/>
+          </a:prstGeom>
+        </p:spPr>
+        <p:txBody>
+          <a:bodyPr vert="horz" lIns="91440" tIns="45720" rIns="91440" bIns="45720" rtlCol="0" anchor="b">
+            <a:normAutofit fontScale="97500"/>
+          </a:bodyPr>
+          <a:lstStyle>
+            <a:lvl1pPr algn="l" defTabSz="914400" rtl="0" eaLnBrk="1" latinLnBrk="0" hangingPunct="1">
+              <a:spcBef>
+                <a:spcPct val="0"/>
+              </a:spcBef>
+              <a:buNone/>
+              <a:defRPr sz="4000" kern="1200">
+                <a:solidFill>
+                  <a:schemeClr val="accent1"/>
+                </a:solidFill>
+                <a:latin typeface="+mj-lt"/>
+                <a:ea typeface="+mj-ea"/>
+                <a:cs typeface="+mj-cs"/>
+              </a:defRPr>
+            </a:lvl1pPr>
+            <a:lvl2pPr eaLnBrk="1" hangingPunct="1">
+              <a:defRPr>
+                <a:solidFill>
+                  <a:schemeClr val="tx2"/>
+                </a:solidFill>
+              </a:defRPr>
+            </a:lvl2pPr>
+            <a:lvl3pPr eaLnBrk="1" hangingPunct="1">
+              <a:defRPr>
+                <a:solidFill>
+                  <a:schemeClr val="tx2"/>
+                </a:solidFill>
+              </a:defRPr>
+            </a:lvl3pPr>
+            <a:lvl4pPr eaLnBrk="1" hangingPunct="1">
+              <a:defRPr>
+                <a:solidFill>
+                  <a:schemeClr val="tx2"/>
+                </a:solidFill>
+              </a:defRPr>
+            </a:lvl4pPr>
+            <a:lvl5pPr eaLnBrk="1" hangingPunct="1">
+              <a:defRPr>
+                <a:solidFill>
+                  <a:schemeClr val="tx2"/>
+                </a:solidFill>
+              </a:defRPr>
+            </a:lvl5pPr>
+            <a:lvl6pPr eaLnBrk="1" hangingPunct="1">
+              <a:defRPr>
+                <a:solidFill>
+                  <a:schemeClr val="tx2"/>
+                </a:solidFill>
+              </a:defRPr>
+            </a:lvl6pPr>
+            <a:lvl7pPr eaLnBrk="1" hangingPunct="1">
+              <a:defRPr>
+                <a:solidFill>
+                  <a:schemeClr val="tx2"/>
+                </a:solidFill>
+              </a:defRPr>
+            </a:lvl7pPr>
+            <a:lvl8pPr eaLnBrk="1" hangingPunct="1">
+              <a:defRPr>
+                <a:solidFill>
+                  <a:schemeClr val="tx2"/>
+                </a:solidFill>
+              </a:defRPr>
+            </a:lvl8pPr>
+            <a:lvl9pPr eaLnBrk="1" hangingPunct="1">
+              <a:defRPr>
+                <a:solidFill>
+                  <a:schemeClr val="tx2"/>
+                </a:solidFill>
+              </a:defRPr>
+            </a:lvl9pPr>
+          </a:lstStyle>
+          <a:p>
+            <a:r>
+              <a:rPr lang="zh-CN" altLang="en-US" dirty="0" smtClean="0"/>
+              <a:t>前后修改</a:t>
+            </a:r>
+            <a:endParaRPr lang="zh-CN" altLang="en-US" dirty="0"/>
+          </a:p>
+        </p:txBody>
+      </p:sp>
+      <p:pic>
+        <p:nvPicPr>
+          <p:cNvPr id="6145" name="Picture 1"/>
+          <p:cNvPicPr>
+            <a:picLocks noChangeAspect="1" noChangeArrowheads="1"/>
+          </p:cNvPicPr>
+          <p:nvPr/>
+        </p:nvPicPr>
+        <p:blipFill>
+          <a:blip r:embed="rId2">
+            <a:extLst>
+              <a:ext uri="{28A0092B-C50C-407E-A947-70E740481C1C}">
+                <a14:useLocalDpi xmlns:a14="http://schemas.microsoft.com/office/drawing/2010/main" val="0"/>
+              </a:ext>
+            </a:extLst>
+          </a:blip>
+          <a:srcRect/>
+          <a:stretch>
+            <a:fillRect/>
+          </a:stretch>
+        </p:blipFill>
+        <p:spPr bwMode="auto">
+          <a:xfrm>
+            <a:off x="107504" y="1378824"/>
+            <a:ext cx="5076825" cy="4152900"/>
+          </a:xfrm>
+          <a:prstGeom prst="rect">
+            <a:avLst/>
+          </a:prstGeom>
+          <a:noFill/>
+          <a:ln>
+            <a:noFill/>
+          </a:ln>
+          <a:effectLst/>
+          <a:extLst>
+            <a:ext uri="{909E8E84-426E-40DD-AFC4-6F175D3DCCD1}">
+              <a14:hiddenFill xmlns:a14="http://schemas.microsoft.com/office/drawing/2010/main">
+                <a:solidFill>
+                  <a:schemeClr val="accent1"/>
+                </a:solidFill>
+              </a14:hiddenFill>
+            </a:ext>
+            <a:ext uri="{91240B29-F687-4F45-9708-019B960494DF}">
+              <a14:hiddenLine xmlns:a14="http://schemas.microsoft.com/office/drawing/2010/main" w="9525">
+                <a:solidFill>
+                  <a:schemeClr val="tx1"/>
+                </a:solidFill>
+                <a:miter lim="800000"/>
+                <a:headEnd/>
+                <a:tailEnd/>
+              </a14:hiddenLine>
+            </a:ext>
+            <a:ext uri="{AF507438-7753-43E0-B8FC-AC1667EBCBE1}">
+              <a14:hiddenEffects xmlns:a14="http://schemas.microsoft.com/office/drawing/2010/main">
+                <a:effectLst>
+                  <a:outerShdw dist="35921" dir="2700000" algn="ctr" rotWithShape="0">
+                    <a:schemeClr val="bg2"/>
+                  </a:outerShdw>
+                </a:effectLst>
+              </a14:hiddenEffects>
+            </a:ext>
+          </a:extLst>
+        </p:spPr>
+      </p:pic>
+      <p:pic>
+        <p:nvPicPr>
+          <p:cNvPr id="6146" name="Picture 2"/>
+          <p:cNvPicPr>
+            <a:picLocks noChangeAspect="1" noChangeArrowheads="1"/>
+          </p:cNvPicPr>
+          <p:nvPr/>
+        </p:nvPicPr>
+        <p:blipFill>
+          <a:blip r:embed="rId3">
+            <a:extLst>
+              <a:ext uri="{28A0092B-C50C-407E-A947-70E740481C1C}">
+                <a14:useLocalDpi xmlns:a14="http://schemas.microsoft.com/office/drawing/2010/main" val="0"/>
+              </a:ext>
+            </a:extLst>
+          </a:blip>
+          <a:srcRect/>
+          <a:stretch>
+            <a:fillRect/>
+          </a:stretch>
+        </p:blipFill>
+        <p:spPr bwMode="auto">
+          <a:xfrm>
+            <a:off x="4423919" y="3295650"/>
+            <a:ext cx="4714875" cy="3562350"/>
+          </a:xfrm>
+          <a:prstGeom prst="rect">
+            <a:avLst/>
+          </a:prstGeom>
+          <a:noFill/>
+          <a:ln>
+            <a:noFill/>
+          </a:ln>
+          <a:effectLst/>
+          <a:extLst>
+            <a:ext uri="{909E8E84-426E-40DD-AFC4-6F175D3DCCD1}">
+              <a14:hiddenFill xmlns:a14="http://schemas.microsoft.com/office/drawing/2010/main">
+                <a:solidFill>
+                  <a:schemeClr val="accent1"/>
+                </a:solidFill>
+              </a14:hiddenFill>
+            </a:ext>
+            <a:ext uri="{91240B29-F687-4F45-9708-019B960494DF}">
+              <a14:hiddenLine xmlns:a14="http://schemas.microsoft.com/office/drawing/2010/main" w="9525">
+                <a:solidFill>
+                  <a:schemeClr val="tx1"/>
+                </a:solidFill>
+                <a:miter lim="800000"/>
+                <a:headEnd/>
+                <a:tailEnd/>
+              </a14:hiddenLine>
+            </a:ext>
+            <a:ext uri="{AF507438-7753-43E0-B8FC-AC1667EBCBE1}">
+              <a14:hiddenEffects xmlns:a14="http://schemas.microsoft.com/office/drawing/2010/main">
+                <a:effectLst>
+                  <a:outerShdw dist="35921" dir="2700000" algn="ctr" rotWithShape="0">
+                    <a:schemeClr val="bg2"/>
+                  </a:outerShdw>
+                </a:effectLst>
+              </a14:hiddenEffects>
+            </a:ext>
+          </a:extLst>
+        </p:spPr>
+      </p:pic>
+    </p:spTree>
+    <p:extLst>
+      <p:ext uri="{BB962C8B-B14F-4D97-AF65-F5344CB8AC3E}">
+        <p14:creationId xmlns:p14="http://schemas.microsoft.com/office/powerpoint/2010/main" val="1573686402"/>
+      </p:ext>
+    </p:extLst>
+  </p:cSld>
+  <p:clrMapOvr>
+    <a:masterClrMapping/>
+  </p:clrMapOvr>
+  <p:timing>
+    <p:tnLst>
+      <p:par>
+        <p:cTn id="1" dur="indefinite" restart="never" nodeType="tmRoot">
+          <p:childTnLst>
+            <p:seq concurrent="1" nextAc="seek">
+              <p:cTn id="2" dur="indefinite" nodeType="mainSeq">
+                <p:childTnLst>
+                  <p:par>
+                    <p:cTn id="3" fill="hold">
+                      <p:stCondLst>
+                        <p:cond delay="indefinite"/>
+                      </p:stCondLst>
+                      <p:childTnLst>
+                        <p:par>
+                          <p:cTn id="4" fill="hold">
+                            <p:stCondLst>
+                              <p:cond delay="0"/>
+                            </p:stCondLst>
+                            <p:childTnLst>
+                              <p:par>
+                                <p:cTn id="5" presetID="2" presetClass="entr" presetSubtype="4" fill="hold" nodeType="clickEffect">
+                                  <p:stCondLst>
+                                    <p:cond delay="0"/>
+                                  </p:stCondLst>
+                                  <p:childTnLst>
+                                    <p:set>
+                                      <p:cBhvr>
+                                        <p:cTn id="6" dur="1" fill="hold">
+                                          <p:stCondLst>
+                                            <p:cond delay="0"/>
+                                          </p:stCondLst>
+                                        </p:cTn>
+                                        <p:tgtEl>
+                                          <p:spTgt spid="6145"/>
+                                        </p:tgtEl>
+                                        <p:attrNameLst>
+                                          <p:attrName>style.visibility</p:attrName>
+                                        </p:attrNameLst>
+                                      </p:cBhvr>
+                                      <p:to>
+                                        <p:strVal val="visible"/>
+                                      </p:to>
+                                    </p:set>
+                                    <p:anim calcmode="lin" valueType="num">
+                                      <p:cBhvr additive="base">
+                                        <p:cTn id="7" dur="500" fill="hold"/>
+                                        <p:tgtEl>
+                                          <p:spTgt spid="6145"/>
+                                        </p:tgtEl>
+                                        <p:attrNameLst>
+                                          <p:attrName>ppt_x</p:attrName>
+                                        </p:attrNameLst>
+                                      </p:cBhvr>
+                                      <p:tavLst>
+                                        <p:tav tm="0">
+                                          <p:val>
+                                            <p:strVal val="#ppt_x"/>
+                                          </p:val>
+                                        </p:tav>
+                                        <p:tav tm="100000">
+                                          <p:val>
+                                            <p:strVal val="#ppt_x"/>
+                                          </p:val>
+                                        </p:tav>
+                                      </p:tavLst>
+                                    </p:anim>
+                                    <p:anim calcmode="lin" valueType="num">
+                                      <p:cBhvr additive="base">
+                                        <p:cTn id="8" dur="500" fill="hold"/>
+                                        <p:tgtEl>
+                                          <p:spTgt spid="6145"/>
+                                        </p:tgtEl>
+                                        <p:attrNameLst>
+                                          <p:attrName>ppt_y</p:attrName>
+                                        </p:attrNameLst>
+                                      </p:cBhvr>
+                                      <p:tavLst>
+                                        <p:tav tm="0">
+                                          <p:val>
+                                            <p:strVal val="1+#ppt_h/2"/>
+                                          </p:val>
+                                        </p:tav>
+                                        <p:tav tm="100000">
+                                          <p:val>
+                                            <p:strVal val="#ppt_y"/>
+                                          </p:val>
+                                        </p:tav>
+                                      </p:tavLst>
+                                    </p:anim>
+                                  </p:childTnLst>
+                                </p:cTn>
+                              </p:par>
+                            </p:childTnLst>
+                          </p:cTn>
+                        </p:par>
+                      </p:childTnLst>
+                    </p:cTn>
+                  </p:par>
+                  <p:par>
+                    <p:cTn id="9" fill="hold">
+                      <p:stCondLst>
+                        <p:cond delay="indefinite"/>
+                      </p:stCondLst>
+                      <p:childTnLst>
+                        <p:par>
+                          <p:cTn id="10" fill="hold">
+                            <p:stCondLst>
+                              <p:cond delay="0"/>
+                            </p:stCondLst>
+                            <p:childTnLst>
+                              <p:par>
+                                <p:cTn id="11" presetID="2" presetClass="entr" presetSubtype="4" fill="hold" nodeType="clickEffect">
+                                  <p:stCondLst>
+                                    <p:cond delay="0"/>
+                                  </p:stCondLst>
+                                  <p:childTnLst>
+                                    <p:set>
+                                      <p:cBhvr>
+                                        <p:cTn id="12" dur="1" fill="hold">
+                                          <p:stCondLst>
+                                            <p:cond delay="0"/>
+                                          </p:stCondLst>
+                                        </p:cTn>
+                                        <p:tgtEl>
+                                          <p:spTgt spid="6146"/>
+                                        </p:tgtEl>
+                                        <p:attrNameLst>
+                                          <p:attrName>style.visibility</p:attrName>
+                                        </p:attrNameLst>
+                                      </p:cBhvr>
+                                      <p:to>
+                                        <p:strVal val="visible"/>
+                                      </p:to>
+                                    </p:set>
+                                    <p:anim calcmode="lin" valueType="num">
+                                      <p:cBhvr additive="base">
+                                        <p:cTn id="13" dur="500" fill="hold"/>
+                                        <p:tgtEl>
+                                          <p:spTgt spid="6146"/>
+                                        </p:tgtEl>
+                                        <p:attrNameLst>
+                                          <p:attrName>ppt_x</p:attrName>
+                                        </p:attrNameLst>
+                                      </p:cBhvr>
+                                      <p:tavLst>
+                                        <p:tav tm="0">
+                                          <p:val>
+                                            <p:strVal val="#ppt_x"/>
+                                          </p:val>
+                                        </p:tav>
+                                        <p:tav tm="100000">
+                                          <p:val>
+                                            <p:strVal val="#ppt_x"/>
+                                          </p:val>
+                                        </p:tav>
+                                      </p:tavLst>
+                                    </p:anim>
+                                    <p:anim calcmode="lin" valueType="num">
+                                      <p:cBhvr additive="base">
+                                        <p:cTn id="14" dur="500" fill="hold"/>
+                                        <p:tgtEl>
+                                          <p:spTgt spid="6146"/>
+                                        </p:tgtEl>
+                                        <p:attrNameLst>
+                                          <p:attrName>ppt_y</p:attrName>
+                                        </p:attrNameLst>
+                                      </p:cBhvr>
+                                      <p:tavLst>
+                                        <p:tav tm="0">
+                                          <p:val>
+                                            <p:strVal val="1+#ppt_h/2"/>
+                                          </p:val>
+                                        </p:tav>
+                                        <p:tav tm="100000">
+                                          <p:val>
+                                            <p:strVal val="#ppt_y"/>
+                                          </p:val>
+                                        </p:tav>
+                                      </p:tavLst>
+                                    </p:anim>
+                                  </p:childTnLst>
+                                </p:cTn>
+                              </p:par>
+                            </p:childTnLst>
+                          </p:cTn>
+                        </p:par>
+                      </p:childTnLst>
+                    </p:cTn>
+                  </p:par>
+                </p:childTnLst>
+              </p:cTn>
+              <p:prevCondLst>
+                <p:cond evt="onPrev" delay="0">
+                  <p:tgtEl>
+                    <p:sldTgt/>
+                  </p:tgtEl>
+                </p:cond>
+              </p:prevCondLst>
+              <p:nextCondLst>
+                <p:cond evt="onNext" delay="0">
+                  <p:tgtEl>
+                    <p:sldTgt/>
+                  </p:tgtEl>
+                </p:cond>
+              </p:nextCondLst>
+            </p:seq>
+          </p:childTnLst>
+        </p:cTn>
+      </p:par>
+    </p:tnLst>
+  </p:timing>
+</p:sld>
+</file>
+
+<file path=ppt/slides/slide14.xml><?xml version="1.0" encoding="utf-8"?>
+<p:sld xmlns:a="http://schemas.openxmlformats.org/drawingml/2006/main" xmlns:r="http://schemas.openxmlformats.org/officeDocument/2006/relationships" xmlns:p="http://schemas.openxmlformats.org/presentationml/2006/main">
+  <p:cSld>
+    <p:spTree>
+      <p:nvGrpSpPr>
+        <p:cNvPr id="1" name=""/>
+        <p:cNvGrpSpPr/>
+        <p:nvPr/>
+      </p:nvGrpSpPr>
+      <p:grpSpPr>
+        <a:xfrm>
+          <a:off x="0" y="0"/>
+          <a:ext cx="0" cy="0"/>
+          <a:chOff x="0" y="0"/>
+          <a:chExt cx="0" cy="0"/>
+        </a:xfrm>
+      </p:grpSpPr>
+      <p:sp>
+        <p:nvSpPr>
+          <p:cNvPr id="4" name="标题 1"/>
+          <p:cNvSpPr txBox="1">
+            <a:spLocks/>
+          </p:cNvSpPr>
+          <p:nvPr/>
+        </p:nvSpPr>
+        <p:spPr>
+          <a:xfrm>
+            <a:off x="1043608" y="692696"/>
+            <a:ext cx="7024744" cy="685880"/>
+          </a:xfrm>
+          <a:prstGeom prst="rect">
+            <a:avLst/>
+          </a:prstGeom>
+        </p:spPr>
+        <p:txBody>
+          <a:bodyPr vert="horz" lIns="91440" tIns="45720" rIns="91440" bIns="45720" rtlCol="0" anchor="b">
+            <a:normAutofit fontScale="97500"/>
+          </a:bodyPr>
+          <a:lstStyle>
+            <a:lvl1pPr algn="l" defTabSz="914400" rtl="0" eaLnBrk="1" latinLnBrk="0" hangingPunct="1">
+              <a:spcBef>
+                <a:spcPct val="0"/>
+              </a:spcBef>
+              <a:buNone/>
+              <a:defRPr sz="4000" kern="1200">
+                <a:solidFill>
+                  <a:schemeClr val="accent1"/>
+                </a:solidFill>
+                <a:latin typeface="+mj-lt"/>
+                <a:ea typeface="+mj-ea"/>
+                <a:cs typeface="+mj-cs"/>
+              </a:defRPr>
+            </a:lvl1pPr>
+            <a:lvl2pPr eaLnBrk="1" hangingPunct="1">
+              <a:defRPr>
+                <a:solidFill>
+                  <a:schemeClr val="tx2"/>
+                </a:solidFill>
+              </a:defRPr>
+            </a:lvl2pPr>
+            <a:lvl3pPr eaLnBrk="1" hangingPunct="1">
+              <a:defRPr>
+                <a:solidFill>
+                  <a:schemeClr val="tx2"/>
+                </a:solidFill>
+              </a:defRPr>
+            </a:lvl3pPr>
+            <a:lvl4pPr eaLnBrk="1" hangingPunct="1">
+              <a:defRPr>
+                <a:solidFill>
+                  <a:schemeClr val="tx2"/>
+                </a:solidFill>
+              </a:defRPr>
+            </a:lvl4pPr>
+            <a:lvl5pPr eaLnBrk="1" hangingPunct="1">
+              <a:defRPr>
+                <a:solidFill>
+                  <a:schemeClr val="tx2"/>
+                </a:solidFill>
+              </a:defRPr>
+            </a:lvl5pPr>
+            <a:lvl6pPr eaLnBrk="1" hangingPunct="1">
+              <a:defRPr>
+                <a:solidFill>
+                  <a:schemeClr val="tx2"/>
+                </a:solidFill>
+              </a:defRPr>
+            </a:lvl6pPr>
+            <a:lvl7pPr eaLnBrk="1" hangingPunct="1">
+              <a:defRPr>
+                <a:solidFill>
+                  <a:schemeClr val="tx2"/>
+                </a:solidFill>
+              </a:defRPr>
+            </a:lvl7pPr>
+            <a:lvl8pPr eaLnBrk="1" hangingPunct="1">
+              <a:defRPr>
+                <a:solidFill>
+                  <a:schemeClr val="tx2"/>
+                </a:solidFill>
+              </a:defRPr>
+            </a:lvl8pPr>
+            <a:lvl9pPr eaLnBrk="1" hangingPunct="1">
+              <a:defRPr>
+                <a:solidFill>
+                  <a:schemeClr val="tx2"/>
+                </a:solidFill>
+              </a:defRPr>
+            </a:lvl9pPr>
+          </a:lstStyle>
+          <a:p>
+            <a:r>
+              <a:rPr lang="zh-CN" altLang="en-US" dirty="0" smtClean="0"/>
+              <a:t>前后修改</a:t>
+            </a:r>
+            <a:endParaRPr lang="zh-CN" altLang="en-US" dirty="0"/>
+          </a:p>
+        </p:txBody>
+      </p:sp>
+      <p:pic>
+        <p:nvPicPr>
+          <p:cNvPr id="8194" name="图片 29"/>
+          <p:cNvPicPr>
+            <a:picLocks noChangeAspect="1" noChangeArrowheads="1"/>
+          </p:cNvPicPr>
+          <p:nvPr/>
+        </p:nvPicPr>
+        <p:blipFill>
+          <a:blip r:embed="rId2">
+            <a:extLst>
+              <a:ext uri="{28A0092B-C50C-407E-A947-70E740481C1C}">
+                <a14:useLocalDpi xmlns:a14="http://schemas.microsoft.com/office/drawing/2010/main" val="0"/>
+              </a:ext>
+            </a:extLst>
+          </a:blip>
+          <a:srcRect/>
+          <a:stretch>
+            <a:fillRect/>
+          </a:stretch>
+        </p:blipFill>
+        <p:spPr bwMode="auto">
+          <a:xfrm>
+            <a:off x="899592" y="1378576"/>
+            <a:ext cx="3336925" cy="4606925"/>
+          </a:xfrm>
+          <a:prstGeom prst="rect">
+            <a:avLst/>
+          </a:prstGeom>
+          <a:noFill/>
+          <a:ln>
+            <a:noFill/>
+          </a:ln>
+          <a:extLst>
+            <a:ext uri="{909E8E84-426E-40DD-AFC4-6F175D3DCCD1}">
+              <a14:hiddenFill xmlns:a14="http://schemas.microsoft.com/office/drawing/2010/main">
+                <a:solidFill>
+                  <a:srgbClr val="FFFFFF"/>
+                </a:solidFill>
+              </a14:hiddenFill>
+            </a:ext>
+            <a:ext uri="{91240B29-F687-4F45-9708-019B960494DF}">
+              <a14:hiddenLine xmlns:a14="http://schemas.microsoft.com/office/drawing/2010/main" w="9525">
+                <a:solidFill>
+                  <a:srgbClr val="000000"/>
+                </a:solidFill>
+                <a:miter lim="800000"/>
+                <a:headEnd/>
+                <a:tailEnd/>
+              </a14:hiddenLine>
+            </a:ext>
+          </a:extLst>
+        </p:spPr>
+      </p:pic>
+      <p:pic>
+        <p:nvPicPr>
+          <p:cNvPr id="8196" name="Picture 4"/>
+          <p:cNvPicPr>
+            <a:picLocks noChangeAspect="1" noChangeArrowheads="1"/>
+          </p:cNvPicPr>
+          <p:nvPr/>
+        </p:nvPicPr>
+        <p:blipFill>
+          <a:blip r:embed="rId3">
+            <a:extLst>
+              <a:ext uri="{28A0092B-C50C-407E-A947-70E740481C1C}">
+                <a14:useLocalDpi xmlns:a14="http://schemas.microsoft.com/office/drawing/2010/main" val="0"/>
+              </a:ext>
+            </a:extLst>
+          </a:blip>
+          <a:srcRect/>
+          <a:stretch>
+            <a:fillRect/>
+          </a:stretch>
+        </p:blipFill>
+        <p:spPr bwMode="auto">
+          <a:xfrm>
+            <a:off x="4644008" y="1772816"/>
+            <a:ext cx="2695575" cy="4438650"/>
+          </a:xfrm>
+          <a:prstGeom prst="rect">
+            <a:avLst/>
+          </a:prstGeom>
+          <a:noFill/>
+          <a:ln>
+            <a:noFill/>
+          </a:ln>
+          <a:effectLst/>
+          <a:extLst>
+            <a:ext uri="{909E8E84-426E-40DD-AFC4-6F175D3DCCD1}">
+              <a14:hiddenFill xmlns:a14="http://schemas.microsoft.com/office/drawing/2010/main">
+                <a:solidFill>
+                  <a:schemeClr val="accent1"/>
+                </a:solidFill>
+              </a14:hiddenFill>
+            </a:ext>
+            <a:ext uri="{91240B29-F687-4F45-9708-019B960494DF}">
+              <a14:hiddenLine xmlns:a14="http://schemas.microsoft.com/office/drawing/2010/main" w="9525">
+                <a:solidFill>
+                  <a:schemeClr val="tx1"/>
+                </a:solidFill>
+                <a:miter lim="800000"/>
+                <a:headEnd/>
+                <a:tailEnd/>
+              </a14:hiddenLine>
+            </a:ext>
+            <a:ext uri="{AF507438-7753-43E0-B8FC-AC1667EBCBE1}">
+              <a14:hiddenEffects xmlns:a14="http://schemas.microsoft.com/office/drawing/2010/main">
+                <a:effectLst>
+                  <a:outerShdw dist="35921" dir="2700000" algn="ctr" rotWithShape="0">
+                    <a:schemeClr val="bg2"/>
+                  </a:outerShdw>
+                </a:effectLst>
+              </a14:hiddenEffects>
+            </a:ext>
+          </a:extLst>
+        </p:spPr>
+      </p:pic>
+    </p:spTree>
+    <p:extLst>
+      <p:ext uri="{BB962C8B-B14F-4D97-AF65-F5344CB8AC3E}">
+        <p14:creationId xmlns:p14="http://schemas.microsoft.com/office/powerpoint/2010/main" val="1648520397"/>
+      </p:ext>
+    </p:extLst>
+  </p:cSld>
+  <p:clrMapOvr>
+    <a:masterClrMapping/>
+  </p:clrMapOvr>
+  <p:timing>
+    <p:tnLst>
+      <p:par>
+        <p:cTn id="1" dur="indefinite" restart="never" nodeType="tmRoot"/>
+      </p:par>
+    </p:tnLst>
+  </p:timing>
+</p:sld>
+</file>
+
+<file path=ppt/slides/slide15.xml><?xml version="1.0" encoding="utf-8"?>
+<p:sld xmlns:a="http://schemas.openxmlformats.org/drawingml/2006/main" xmlns:r="http://schemas.openxmlformats.org/officeDocument/2006/relationships" xmlns:p="http://schemas.openxmlformats.org/presentationml/2006/main">
+  <p:cSld>
+    <p:spTree>
+      <p:nvGrpSpPr>
+        <p:cNvPr id="1" name=""/>
+        <p:cNvGrpSpPr/>
+        <p:nvPr/>
+      </p:nvGrpSpPr>
+      <p:grpSpPr>
+        <a:xfrm>
+          <a:off x="0" y="0"/>
+          <a:ext cx="0" cy="0"/>
+          <a:chOff x="0" y="0"/>
+          <a:chExt cx="0" cy="0"/>
+        </a:xfrm>
+      </p:grpSpPr>
+      <p:sp>
+        <p:nvSpPr>
+          <p:cNvPr id="4" name="标题 1"/>
+          <p:cNvSpPr txBox="1">
+            <a:spLocks/>
+          </p:cNvSpPr>
+          <p:nvPr/>
+        </p:nvSpPr>
+        <p:spPr>
+          <a:xfrm>
+            <a:off x="1043608" y="692696"/>
+            <a:ext cx="7024744" cy="685880"/>
+          </a:xfrm>
+          <a:prstGeom prst="rect">
+            <a:avLst/>
+          </a:prstGeom>
+        </p:spPr>
+        <p:txBody>
+          <a:bodyPr vert="horz" lIns="91440" tIns="45720" rIns="91440" bIns="45720" rtlCol="0" anchor="b">
+            <a:normAutofit fontScale="97500"/>
+          </a:bodyPr>
+          <a:lstStyle>
+            <a:lvl1pPr algn="l" defTabSz="914400" rtl="0" eaLnBrk="1" latinLnBrk="0" hangingPunct="1">
+              <a:spcBef>
+                <a:spcPct val="0"/>
+              </a:spcBef>
+              <a:buNone/>
+              <a:defRPr sz="4000" kern="1200">
+                <a:solidFill>
+                  <a:schemeClr val="accent1"/>
+                </a:solidFill>
+                <a:latin typeface="+mj-lt"/>
+                <a:ea typeface="+mj-ea"/>
+                <a:cs typeface="+mj-cs"/>
+              </a:defRPr>
+            </a:lvl1pPr>
+            <a:lvl2pPr eaLnBrk="1" hangingPunct="1">
+              <a:defRPr>
+                <a:solidFill>
+                  <a:schemeClr val="tx2"/>
+                </a:solidFill>
+              </a:defRPr>
+            </a:lvl2pPr>
+            <a:lvl3pPr eaLnBrk="1" hangingPunct="1">
+              <a:defRPr>
+                <a:solidFill>
+                  <a:schemeClr val="tx2"/>
+                </a:solidFill>
+              </a:defRPr>
+            </a:lvl3pPr>
+            <a:lvl4pPr eaLnBrk="1" hangingPunct="1">
+              <a:defRPr>
+                <a:solidFill>
+                  <a:schemeClr val="tx2"/>
+                </a:solidFill>
+              </a:defRPr>
+            </a:lvl4pPr>
+            <a:lvl5pPr eaLnBrk="1" hangingPunct="1">
+              <a:defRPr>
+                <a:solidFill>
+                  <a:schemeClr val="tx2"/>
+                </a:solidFill>
+              </a:defRPr>
+            </a:lvl5pPr>
+            <a:lvl6pPr eaLnBrk="1" hangingPunct="1">
+              <a:defRPr>
+                <a:solidFill>
+                  <a:schemeClr val="tx2"/>
+                </a:solidFill>
+              </a:defRPr>
+            </a:lvl6pPr>
+            <a:lvl7pPr eaLnBrk="1" hangingPunct="1">
+              <a:defRPr>
+                <a:solidFill>
+                  <a:schemeClr val="tx2"/>
+                </a:solidFill>
+              </a:defRPr>
+            </a:lvl7pPr>
+            <a:lvl8pPr eaLnBrk="1" hangingPunct="1">
+              <a:defRPr>
+                <a:solidFill>
+                  <a:schemeClr val="tx2"/>
+                </a:solidFill>
+              </a:defRPr>
+            </a:lvl8pPr>
+            <a:lvl9pPr eaLnBrk="1" hangingPunct="1">
+              <a:defRPr>
+                <a:solidFill>
+                  <a:schemeClr val="tx2"/>
+                </a:solidFill>
+              </a:defRPr>
+            </a:lvl9pPr>
+          </a:lstStyle>
+          <a:p>
+            <a:r>
+              <a:rPr lang="zh-CN" altLang="en-US" dirty="0" smtClean="0"/>
+              <a:t>可行性</a:t>
+            </a:r>
+            <a:endParaRPr lang="zh-CN" altLang="en-US" dirty="0"/>
+          </a:p>
+        </p:txBody>
+      </p:sp>
+      <p:sp>
+        <p:nvSpPr>
+          <p:cNvPr id="5" name="内容占位符 2"/>
+          <p:cNvSpPr>
+            <a:spLocks noGrp="1"/>
+          </p:cNvSpPr>
+          <p:nvPr>
+            <p:ph idx="1"/>
+          </p:nvPr>
+        </p:nvSpPr>
+        <p:spPr>
+          <a:xfrm>
+            <a:off x="1043608" y="1556792"/>
+            <a:ext cx="7488832" cy="4752528"/>
+          </a:xfrm>
+        </p:spPr>
+        <p:txBody>
+          <a:bodyPr>
+            <a:normAutofit/>
+          </a:bodyPr>
+          <a:lstStyle/>
+          <a:p>
+            <a:r>
+              <a:rPr lang="zh-CN" altLang="zh-CN" dirty="0"/>
+              <a:t>技术方面的</a:t>
+            </a:r>
+            <a:r>
+              <a:rPr lang="zh-CN" altLang="zh-CN" dirty="0" smtClean="0"/>
+              <a:t>可行性</a:t>
+            </a:r>
+            <a:endParaRPr lang="en-US" altLang="zh-CN" dirty="0" smtClean="0"/>
+          </a:p>
+          <a:p>
+            <a:pPr marL="68580" indent="0">
+              <a:buNone/>
+            </a:pPr>
+            <a:r>
+              <a:rPr lang="zh-CN" altLang="en-US" dirty="0" smtClean="0"/>
+              <a:t>     功能只是位置方面的改变，技术方面没什么太大改变。</a:t>
+            </a:r>
+            <a:endParaRPr lang="en-US" altLang="zh-CN" dirty="0" smtClean="0"/>
+          </a:p>
+          <a:p>
+            <a:r>
+              <a:rPr lang="zh-CN" altLang="zh-CN" dirty="0"/>
+              <a:t>操作方面的</a:t>
+            </a:r>
+            <a:r>
+              <a:rPr lang="zh-CN" altLang="zh-CN" dirty="0" smtClean="0"/>
+              <a:t>可行性</a:t>
+            </a:r>
+            <a:endParaRPr lang="en-US" altLang="zh-CN" dirty="0" smtClean="0"/>
+          </a:p>
+          <a:p>
+            <a:pPr marL="68580" indent="0">
+              <a:buNone/>
+            </a:pPr>
+            <a:r>
+              <a:rPr lang="zh-CN" altLang="en-US" dirty="0" smtClean="0"/>
+              <a:t>      操作方面没什么太大难度，也可行。</a:t>
+            </a:r>
+            <a:endParaRPr lang="en-US" altLang="zh-CN" dirty="0" smtClean="0"/>
+          </a:p>
+          <a:p>
+            <a:r>
+              <a:rPr lang="zh-CN" altLang="zh-CN" dirty="0" smtClean="0"/>
+              <a:t>经济方面</a:t>
+            </a:r>
+            <a:r>
+              <a:rPr lang="zh-CN" altLang="zh-CN" dirty="0"/>
+              <a:t>的</a:t>
+            </a:r>
+            <a:r>
+              <a:rPr lang="zh-CN" altLang="zh-CN" dirty="0" smtClean="0"/>
+              <a:t>可行性</a:t>
+            </a:r>
+            <a:endParaRPr lang="en-US" altLang="zh-CN" dirty="0" smtClean="0"/>
+          </a:p>
+          <a:p>
+            <a:pPr marL="68580" indent="0">
+              <a:buNone/>
+            </a:pPr>
+            <a:r>
+              <a:rPr lang="zh-CN" altLang="en-US" dirty="0" smtClean="0"/>
+              <a:t>      每人工作量增加</a:t>
+            </a:r>
+            <a:r>
+              <a:rPr lang="en-US" altLang="zh-CN" dirty="0" smtClean="0"/>
+              <a:t>7.5</a:t>
+            </a:r>
+            <a:r>
+              <a:rPr lang="zh-CN" altLang="en-US" dirty="0" smtClean="0"/>
+              <a:t>小时，每人工资需增加</a:t>
+            </a:r>
+            <a:r>
+              <a:rPr lang="en-US" altLang="zh-CN" dirty="0" smtClean="0"/>
+              <a:t>232.275</a:t>
+            </a:r>
+            <a:r>
+              <a:rPr lang="zh-CN" altLang="en-US" dirty="0" smtClean="0"/>
+              <a:t>元，共需增加</a:t>
+            </a:r>
+            <a:r>
+              <a:rPr lang="en-US" altLang="zh-CN" dirty="0" smtClean="0"/>
+              <a:t>929.1</a:t>
+            </a:r>
+            <a:r>
+              <a:rPr lang="zh-CN" altLang="en-US" smtClean="0"/>
+              <a:t>元。</a:t>
+            </a:r>
+            <a:endParaRPr lang="en-US" altLang="zh-CN" dirty="0"/>
+          </a:p>
+        </p:txBody>
+      </p:sp>
+    </p:spTree>
+    <p:extLst>
+      <p:ext uri="{BB962C8B-B14F-4D97-AF65-F5344CB8AC3E}">
+        <p14:creationId xmlns:p14="http://schemas.microsoft.com/office/powerpoint/2010/main" val="305608548"/>
+      </p:ext>
+    </p:extLst>
+  </p:cSld>
+  <p:clrMapOvr>
+    <a:masterClrMapping/>
+  </p:clrMapOvr>
+  <p:timing>
+    <p:tnLst>
+      <p:par>
+        <p:cTn id="1" dur="indefinite" restart="never" nodeType="tmRoot"/>
+      </p:par>
+    </p:tnLst>
+  </p:timing>
+</p:sld>
+</file>
+
+<file path=ppt/slides/slide16.xml><?xml version="1.0" encoding="utf-8"?>
+<p:sld xmlns:a="http://schemas.openxmlformats.org/drawingml/2006/main" xmlns:r="http://schemas.openxmlformats.org/officeDocument/2006/relationships" xmlns:p="http://schemas.openxmlformats.org/presentationml/2006/main">
+  <p:cSld>
+    <p:spTree>
+      <p:nvGrpSpPr>
+        <p:cNvPr id="1" name=""/>
+        <p:cNvGrpSpPr/>
+        <p:nvPr/>
+      </p:nvGrpSpPr>
+      <p:grpSpPr>
+        <a:xfrm>
+          <a:off x="0" y="0"/>
+          <a:ext cx="0" cy="0"/>
+          <a:chOff x="0" y="0"/>
+          <a:chExt cx="0" cy="0"/>
+        </a:xfrm>
+      </p:grpSpPr>
+      <p:sp>
+        <p:nvSpPr>
+          <p:cNvPr id="3" name="标题 1"/>
+          <p:cNvSpPr txBox="1">
+            <a:spLocks/>
+          </p:cNvSpPr>
+          <p:nvPr/>
+        </p:nvSpPr>
+        <p:spPr>
+          <a:xfrm>
+            <a:off x="1043608" y="692696"/>
+            <a:ext cx="7024744" cy="685880"/>
+          </a:xfrm>
+          <a:prstGeom prst="rect">
+            <a:avLst/>
+          </a:prstGeom>
+        </p:spPr>
+        <p:txBody>
+          <a:bodyPr vert="horz" lIns="91440" tIns="45720" rIns="91440" bIns="45720" rtlCol="0" anchor="b">
+            <a:normAutofit fontScale="97500"/>
+          </a:bodyPr>
+          <a:lstStyle>
+            <a:lvl1pPr algn="l" defTabSz="914400" rtl="0" eaLnBrk="1" latinLnBrk="0" hangingPunct="1">
+              <a:spcBef>
+                <a:spcPct val="0"/>
+              </a:spcBef>
+              <a:buNone/>
+              <a:defRPr sz="4000" kern="1200">
+                <a:solidFill>
+                  <a:schemeClr val="accent1"/>
+                </a:solidFill>
+                <a:latin typeface="+mj-lt"/>
+                <a:ea typeface="+mj-ea"/>
+                <a:cs typeface="+mj-cs"/>
+              </a:defRPr>
+            </a:lvl1pPr>
+            <a:lvl2pPr eaLnBrk="1" hangingPunct="1">
+              <a:defRPr>
+                <a:solidFill>
+                  <a:schemeClr val="tx2"/>
+                </a:solidFill>
+              </a:defRPr>
+            </a:lvl2pPr>
+            <a:lvl3pPr eaLnBrk="1" hangingPunct="1">
+              <a:defRPr>
+                <a:solidFill>
+                  <a:schemeClr val="tx2"/>
+                </a:solidFill>
+              </a:defRPr>
+            </a:lvl3pPr>
+            <a:lvl4pPr eaLnBrk="1" hangingPunct="1">
+              <a:defRPr>
+                <a:solidFill>
+                  <a:schemeClr val="tx2"/>
+                </a:solidFill>
+              </a:defRPr>
+            </a:lvl4pPr>
+            <a:lvl5pPr eaLnBrk="1" hangingPunct="1">
+              <a:defRPr>
+                <a:solidFill>
+                  <a:schemeClr val="tx2"/>
+                </a:solidFill>
+              </a:defRPr>
+            </a:lvl5pPr>
+            <a:lvl6pPr eaLnBrk="1" hangingPunct="1">
+              <a:defRPr>
+                <a:solidFill>
+                  <a:schemeClr val="tx2"/>
+                </a:solidFill>
+              </a:defRPr>
+            </a:lvl6pPr>
+            <a:lvl7pPr eaLnBrk="1" hangingPunct="1">
+              <a:defRPr>
+                <a:solidFill>
+                  <a:schemeClr val="tx2"/>
+                </a:solidFill>
+              </a:defRPr>
+            </a:lvl7pPr>
+            <a:lvl8pPr eaLnBrk="1" hangingPunct="1">
+              <a:defRPr>
+                <a:solidFill>
+                  <a:schemeClr val="tx2"/>
+                </a:solidFill>
+              </a:defRPr>
+            </a:lvl8pPr>
+            <a:lvl9pPr eaLnBrk="1" hangingPunct="1">
+              <a:defRPr>
+                <a:solidFill>
+                  <a:schemeClr val="tx2"/>
+                </a:solidFill>
+              </a:defRPr>
+            </a:lvl9pPr>
+          </a:lstStyle>
+          <a:p>
+            <a:r>
+              <a:rPr lang="en-US" altLang="zh-CN" dirty="0" smtClean="0"/>
+              <a:t>Team Building</a:t>
+            </a:r>
+            <a:endParaRPr lang="zh-CN" altLang="en-US" dirty="0"/>
+          </a:p>
+        </p:txBody>
+      </p:sp>
+      <p:sp>
+        <p:nvSpPr>
+          <p:cNvPr id="5" name="内容占位符 2"/>
+          <p:cNvSpPr>
+            <a:spLocks noGrp="1"/>
+          </p:cNvSpPr>
+          <p:nvPr>
+            <p:ph idx="1"/>
+          </p:nvPr>
+        </p:nvSpPr>
+        <p:spPr>
+          <a:xfrm>
+            <a:off x="1043608" y="1556792"/>
+            <a:ext cx="7488832" cy="4752528"/>
+          </a:xfrm>
+        </p:spPr>
+        <p:txBody>
+          <a:bodyPr>
+            <a:normAutofit/>
+          </a:bodyPr>
+          <a:lstStyle/>
+          <a:p>
+            <a:r>
+              <a:rPr lang="zh-CN" altLang="en-US" dirty="0" smtClean="0"/>
+              <a:t>金拱门。。。。</a:t>
+            </a:r>
+            <a:endParaRPr lang="zh-CN" altLang="en-US" dirty="0"/>
+          </a:p>
+        </p:txBody>
+      </p:sp>
+      <p:pic>
+        <p:nvPicPr>
+          <p:cNvPr id="4098" name="Picture 2" descr="C:\Users\admin\Desktop\14d66917f36da92d9431cb2a032f1a70.jpg"/>
+          <p:cNvPicPr>
+            <a:picLocks noChangeAspect="1" noChangeArrowheads="1"/>
+          </p:cNvPicPr>
+          <p:nvPr/>
+        </p:nvPicPr>
+        <p:blipFill>
+          <a:blip r:embed="rId2">
+            <a:extLst>
+              <a:ext uri="{28A0092B-C50C-407E-A947-70E740481C1C}">
+                <a14:useLocalDpi xmlns:a14="http://schemas.microsoft.com/office/drawing/2010/main" val="0"/>
+              </a:ext>
+            </a:extLst>
+          </a:blip>
+          <a:srcRect/>
+          <a:stretch>
+            <a:fillRect/>
+          </a:stretch>
+        </p:blipFill>
+        <p:spPr bwMode="auto">
+          <a:xfrm>
+            <a:off x="1850774" y="2060848"/>
+            <a:ext cx="5040560" cy="4080802"/>
+          </a:xfrm>
+          <a:prstGeom prst="rect">
+            <a:avLst/>
+          </a:prstGeom>
+          <a:noFill/>
+          <a:extLst>
+            <a:ext uri="{909E8E84-426E-40DD-AFC4-6F175D3DCCD1}">
+              <a14:hiddenFill xmlns:a14="http://schemas.microsoft.com/office/drawing/2010/main">
+                <a:solidFill>
+                  <a:srgbClr val="FFFFFF"/>
+                </a:solidFill>
+              </a14:hiddenFill>
+            </a:ext>
+          </a:extLst>
+        </p:spPr>
+      </p:pic>
+    </p:spTree>
+    <p:extLst>
+      <p:ext uri="{BB962C8B-B14F-4D97-AF65-F5344CB8AC3E}">
+        <p14:creationId xmlns:p14="http://schemas.microsoft.com/office/powerpoint/2010/main" val="3076495755"/>
+      </p:ext>
+    </p:extLst>
+  </p:cSld>
+  <p:clrMapOvr>
+    <a:masterClrMapping/>
+  </p:clrMapOvr>
+  <p:timing>
+    <p:tnLst>
+      <p:par>
+        <p:cTn id="1" dur="indefinite" restart="never" nodeType="tmRoot"/>
+      </p:par>
+    </p:tnLst>
+  </p:timing>
+</p:sld>
+</file>
+
+<file path=ppt/slides/slide17.xml><?xml version="1.0" encoding="utf-8"?>
+<p:sld xmlns:a="http://schemas.openxmlformats.org/drawingml/2006/main" xmlns:r="http://schemas.openxmlformats.org/officeDocument/2006/relationships" xmlns:p="http://schemas.openxmlformats.org/presentationml/2006/main">
+  <p:cSld>
+    <p:spTree>
+      <p:nvGrpSpPr>
+        <p:cNvPr id="1" name=""/>
+        <p:cNvGrpSpPr/>
+        <p:nvPr/>
+      </p:nvGrpSpPr>
+      <p:grpSpPr>
+        <a:xfrm>
+          <a:off x="0" y="0"/>
+          <a:ext cx="0" cy="0"/>
+          <a:chOff x="0" y="0"/>
+          <a:chExt cx="0" cy="0"/>
+        </a:xfrm>
+      </p:grpSpPr>
+      <p:sp>
+        <p:nvSpPr>
+          <p:cNvPr id="2" name="标题 1"/>
+          <p:cNvSpPr>
+            <a:spLocks noGrp="1"/>
+          </p:cNvSpPr>
+          <p:nvPr>
+            <p:ph type="title"/>
+          </p:nvPr>
+        </p:nvSpPr>
+        <p:spPr>
+          <a:xfrm>
+            <a:off x="1043608" y="692696"/>
+            <a:ext cx="7024744" cy="685880"/>
+          </a:xfrm>
+        </p:spPr>
+        <p:txBody>
+          <a:bodyPr>
+            <a:normAutofit fontScale="90000"/>
+          </a:bodyPr>
+          <a:lstStyle/>
+          <a:p>
+            <a:r>
+              <a:rPr lang="zh-CN" altLang="en-US" dirty="0" smtClean="0"/>
+              <a:t>小组成员</a:t>
+            </a:r>
+            <a:endParaRPr lang="zh-CN" altLang="en-US" dirty="0"/>
+          </a:p>
+        </p:txBody>
+      </p:sp>
+      <p:sp>
+        <p:nvSpPr>
+          <p:cNvPr id="3" name="内容占位符 2"/>
+          <p:cNvSpPr>
+            <a:spLocks noGrp="1"/>
+          </p:cNvSpPr>
+          <p:nvPr>
+            <p:ph idx="1"/>
+          </p:nvPr>
+        </p:nvSpPr>
+        <p:spPr>
+          <a:xfrm>
+            <a:off x="1043608" y="1556792"/>
+            <a:ext cx="7488832" cy="4752528"/>
+          </a:xfrm>
+        </p:spPr>
+        <p:txBody>
+          <a:bodyPr>
+            <a:normAutofit/>
+          </a:bodyPr>
+          <a:lstStyle/>
+          <a:p>
+            <a:r>
+              <a:rPr lang="zh-CN" altLang="en-US" dirty="0" smtClean="0"/>
+              <a:t>陈启强：</a:t>
+            </a:r>
+            <a:r>
+              <a:rPr lang="en-US" altLang="zh-CN" dirty="0" err="1" smtClean="0"/>
+              <a:t>ppt</a:t>
+            </a:r>
+            <a:r>
+              <a:rPr lang="zh-CN" altLang="en-US" dirty="0" smtClean="0"/>
+              <a:t>制作、需求变更文档制作（</a:t>
+            </a:r>
+            <a:r>
+              <a:rPr lang="en-US" altLang="zh-CN" dirty="0" smtClean="0"/>
+              <a:t>27%</a:t>
+            </a:r>
+            <a:r>
+              <a:rPr lang="zh-CN" altLang="en-US" dirty="0" smtClean="0"/>
+              <a:t>）</a:t>
+            </a:r>
+            <a:endParaRPr lang="en-US" altLang="zh-CN" dirty="0" smtClean="0"/>
+          </a:p>
+          <a:p>
+            <a:r>
+              <a:rPr lang="zh-CN" altLang="en-US" dirty="0" smtClean="0"/>
+              <a:t>余</a:t>
+            </a:r>
+            <a:r>
+              <a:rPr lang="zh-CN" altLang="en-US" dirty="0"/>
+              <a:t>泽</a:t>
+            </a:r>
+            <a:r>
+              <a:rPr lang="zh-CN" altLang="en-US" dirty="0" smtClean="0"/>
+              <a:t>伟：出软件需求期末题目（</a:t>
+            </a:r>
+            <a:r>
+              <a:rPr lang="en-US" altLang="zh-CN" dirty="0" smtClean="0"/>
+              <a:t>26%</a:t>
+            </a:r>
+            <a:r>
+              <a:rPr lang="zh-CN" altLang="en-US" dirty="0" smtClean="0"/>
+              <a:t>）</a:t>
+            </a:r>
+            <a:endParaRPr lang="en-US" altLang="zh-CN" dirty="0" smtClean="0"/>
+          </a:p>
+          <a:p>
+            <a:r>
+              <a:rPr lang="zh-CN" altLang="en-US" dirty="0"/>
+              <a:t>赵伟：出软件项目管理期末</a:t>
+            </a:r>
+            <a:r>
+              <a:rPr lang="zh-CN" altLang="en-US" dirty="0" smtClean="0"/>
+              <a:t>题目（</a:t>
+            </a:r>
+            <a:r>
+              <a:rPr lang="en-US" altLang="zh-CN" dirty="0" smtClean="0"/>
+              <a:t>24%</a:t>
+            </a:r>
+            <a:r>
+              <a:rPr lang="zh-CN" altLang="en-US" dirty="0" smtClean="0"/>
+              <a:t>）</a:t>
+            </a:r>
+            <a:endParaRPr lang="en-US" altLang="zh-CN" dirty="0" smtClean="0"/>
+          </a:p>
+          <a:p>
+            <a:r>
+              <a:rPr lang="zh-CN" altLang="en-US" dirty="0"/>
+              <a:t>李文杰</a:t>
+            </a:r>
+            <a:r>
+              <a:rPr lang="zh-CN" altLang="en-US" dirty="0" smtClean="0"/>
+              <a:t>：研究需求变更软件（</a:t>
+            </a:r>
+            <a:r>
+              <a:rPr lang="en-US" altLang="zh-CN" dirty="0" smtClean="0"/>
+              <a:t>23%</a:t>
+            </a:r>
+            <a:r>
+              <a:rPr lang="zh-CN" altLang="en-US" dirty="0" smtClean="0"/>
+              <a:t>）</a:t>
+            </a:r>
+            <a:endParaRPr lang="en-US" altLang="zh-CN" dirty="0"/>
+          </a:p>
+          <a:p>
+            <a:endParaRPr lang="zh-CN" altLang="en-US" dirty="0"/>
+          </a:p>
+        </p:txBody>
+      </p:sp>
+    </p:spTree>
+    <p:extLst>
+      <p:ext uri="{BB962C8B-B14F-4D97-AF65-F5344CB8AC3E}">
+        <p14:creationId xmlns:p14="http://schemas.microsoft.com/office/powerpoint/2010/main" val="3437751615"/>
+      </p:ext>
+    </p:extLst>
+  </p:cSld>
+  <p:clrMapOvr>
+    <a:masterClrMapping/>
+  </p:clrMapOvr>
+  <p:timing>
+    <p:tnLst>
+      <p:par>
+        <p:cTn id="1" dur="indefinite" restart="never" nodeType="tmRoot"/>
+      </p:par>
+    </p:tnLst>
+  </p:timing>
+</p:sld>
+</file>
+
+<file path=ppt/slides/slide18.xml><?xml version="1.0" encoding="utf-8"?>
+<p:sld xmlns:a="http://schemas.openxmlformats.org/drawingml/2006/main" xmlns:r="http://schemas.openxmlformats.org/officeDocument/2006/relationships" xmlns:p="http://schemas.openxmlformats.org/presentationml/2006/main">
+  <p:cSld>
+    <p:spTree>
+      <p:nvGrpSpPr>
+        <p:cNvPr id="1" name=""/>
+        <p:cNvGrpSpPr/>
+        <p:nvPr/>
+      </p:nvGrpSpPr>
+      <p:grpSpPr>
+        <a:xfrm>
+          <a:off x="0" y="0"/>
+          <a:ext cx="0" cy="0"/>
+          <a:chOff x="0" y="0"/>
+          <a:chExt cx="0" cy="0"/>
+        </a:xfrm>
+      </p:grpSpPr>
+      <p:sp>
+        <p:nvSpPr>
+          <p:cNvPr id="4" name="TextBox 3"/>
+          <p:cNvSpPr txBox="1"/>
+          <p:nvPr/>
+        </p:nvSpPr>
+        <p:spPr>
+          <a:xfrm>
+            <a:off x="3347864" y="2953833"/>
+            <a:ext cx="4752528" cy="1107996"/>
+          </a:xfrm>
+          <a:prstGeom prst="rect">
+            <a:avLst/>
+          </a:prstGeom>
+          <a:noFill/>
+        </p:spPr>
+        <p:txBody>
+          <a:bodyPr wrap="square" rtlCol="0">
+            <a:spAutoFit/>
+          </a:bodyPr>
+          <a:lstStyle/>
+          <a:p>
+            <a:r>
+              <a:rPr lang="zh-CN" altLang="en-US" sz="6600" b="1" dirty="0"/>
+              <a:t>谢谢</a:t>
+            </a:r>
+          </a:p>
+        </p:txBody>
+      </p:sp>
+    </p:spTree>
+    <p:extLst>
+      <p:ext uri="{BB962C8B-B14F-4D97-AF65-F5344CB8AC3E}">
+        <p14:creationId xmlns:p14="http://schemas.microsoft.com/office/powerpoint/2010/main" val="805128867"/>
+      </p:ext>
+    </p:extLst>
+  </p:cSld>
+  <p:clrMapOvr>
+    <a:masterClrMapping/>
+  </p:clrMapOvr>
+  <p:timing>
+    <p:tnLst>
+      <p:par>
+        <p:cTn id="1" dur="indefinite" restart="never" nodeType="tmRoot"/>
+      </p:par>
+    </p:tnLst>
+  </p:timing>
+</p:sld>
+</file>
+
 <file path=ppt/slides/slide2.xml><?xml version="1.0" encoding="utf-8"?>
 <p:sld xmlns:a="http://schemas.openxmlformats.org/drawingml/2006/main" xmlns:r="http://schemas.openxmlformats.org/officeDocument/2006/relationships" xmlns:p="http://schemas.openxmlformats.org/presentationml/2006/main">
   <p:cSld>
@@ -13911,7 +16529,22 @@
             </a:r>
             <a:r>
               <a:rPr lang="zh-CN" altLang="en-US" dirty="0" smtClean="0"/>
-              <a:t>影响分析</a:t>
+              <a:t>影响</a:t>
+            </a:r>
+            <a:r>
+              <a:rPr lang="zh-CN" altLang="en-US" dirty="0" smtClean="0"/>
+              <a:t>分析</a:t>
+            </a:r>
+            <a:endParaRPr lang="en-US" altLang="zh-CN" dirty="0" smtClean="0"/>
+          </a:p>
+          <a:p>
+            <a:r>
+              <a:rPr lang="en-US" altLang="zh-CN" dirty="0" smtClean="0"/>
+              <a:t>                         4.</a:t>
+            </a:r>
+            <a:r>
+              <a:rPr lang="zh-CN" altLang="en-US" dirty="0" smtClean="0"/>
+              <a:t>其余打分</a:t>
             </a:r>
             <a:endParaRPr lang="zh-CN" altLang="en-US" dirty="0"/>
           </a:p>
@@ -14888,127 +17521,363 @@
           <a:lstStyle/>
           <a:p>
             <a:r>
-              <a:rPr lang="zh-CN" altLang="en-US" dirty="0" smtClean="0"/>
-              <a:t>小组成员</a:t>
+              <a:rPr lang="en-US" altLang="zh-CN" dirty="0" smtClean="0"/>
+              <a:t>CCB</a:t>
             </a:r>
             <a:endParaRPr lang="zh-CN" altLang="en-US" dirty="0"/>
           </a:p>
         </p:txBody>
       </p:sp>
-      <p:sp>
-        <p:nvSpPr>
-          <p:cNvPr id="3" name="内容占位符 2"/>
-          <p:cNvSpPr>
-            <a:spLocks noGrp="1"/>
-          </p:cNvSpPr>
+      <p:graphicFrame>
+        <p:nvGraphicFramePr>
+          <p:cNvPr id="4" name="表格 3"/>
+          <p:cNvGraphicFramePr>
+            <a:graphicFrameLocks noGrp="1"/>
+          </p:cNvGraphicFramePr>
           <p:nvPr>
-            <p:ph idx="1"/>
+            <p:extLst>
+              <p:ext uri="{D42A27DB-BD31-4B8C-83A1-F6EECF244321}">
+                <p14:modId xmlns:p14="http://schemas.microsoft.com/office/powerpoint/2010/main" val="3628316780"/>
+              </p:ext>
+            </p:extLst>
           </p:nvPr>
-        </p:nvSpPr>
-        <p:spPr>
-          <a:xfrm>
-            <a:off x="1043608" y="1556792"/>
-            <a:ext cx="7488832" cy="4752528"/>
-          </a:xfrm>
-        </p:spPr>
-        <p:txBody>
-          <a:bodyPr>
-            <a:normAutofit/>
-          </a:bodyPr>
-          <a:lstStyle/>
-          <a:p>
-            <a:r>
-              <a:rPr lang="zh-CN" altLang="en-US" dirty="0" smtClean="0"/>
-              <a:t>陈启强：</a:t>
-            </a:r>
-            <a:r>
-              <a:rPr lang="en-US" altLang="zh-CN" dirty="0" err="1" smtClean="0"/>
-              <a:t>ppt</a:t>
-            </a:r>
-            <a:r>
-              <a:rPr lang="zh-CN" altLang="en-US" dirty="0" smtClean="0"/>
-              <a:t>制作、需求变更文档制作（</a:t>
-            </a:r>
-            <a:r>
-              <a:rPr lang="en-US" altLang="zh-CN" dirty="0" smtClean="0"/>
-              <a:t>27%</a:t>
-            </a:r>
-            <a:r>
-              <a:rPr lang="zh-CN" altLang="en-US" dirty="0" smtClean="0"/>
-              <a:t>）</a:t>
-            </a:r>
-            <a:endParaRPr lang="en-US" altLang="zh-CN" dirty="0" smtClean="0"/>
-          </a:p>
-          <a:p>
-            <a:r>
-              <a:rPr lang="zh-CN" altLang="en-US" dirty="0" smtClean="0"/>
-              <a:t>余</a:t>
-            </a:r>
-            <a:r>
-              <a:rPr lang="zh-CN" altLang="en-US" dirty="0"/>
-              <a:t>泽</a:t>
-            </a:r>
-            <a:r>
-              <a:rPr lang="zh-CN" altLang="en-US" dirty="0" smtClean="0"/>
-              <a:t>伟：出软件需求期末题目（</a:t>
-            </a:r>
-            <a:r>
-              <a:rPr lang="en-US" altLang="zh-CN" dirty="0" smtClean="0"/>
-              <a:t>26%</a:t>
-            </a:r>
-            <a:r>
-              <a:rPr lang="zh-CN" altLang="en-US" dirty="0" smtClean="0"/>
-              <a:t>）</a:t>
-            </a:r>
-            <a:endParaRPr lang="en-US" altLang="zh-CN" dirty="0" smtClean="0"/>
-          </a:p>
-          <a:p>
-            <a:r>
-              <a:rPr lang="zh-CN" altLang="en-US" dirty="0"/>
-              <a:t>赵伟：出软件项目管理期末</a:t>
-            </a:r>
-            <a:r>
-              <a:rPr lang="zh-CN" altLang="en-US" dirty="0" smtClean="0"/>
-              <a:t>题目（</a:t>
-            </a:r>
-            <a:r>
-              <a:rPr lang="en-US" altLang="zh-CN" dirty="0" smtClean="0"/>
-              <a:t>24%</a:t>
-            </a:r>
-            <a:r>
-              <a:rPr lang="zh-CN" altLang="en-US" dirty="0" smtClean="0"/>
-              <a:t>）</a:t>
-            </a:r>
-            <a:endParaRPr lang="en-US" altLang="zh-CN" dirty="0" smtClean="0"/>
-          </a:p>
-          <a:p>
-            <a:r>
-              <a:rPr lang="zh-CN" altLang="en-US" dirty="0"/>
-              <a:t>李文杰</a:t>
-            </a:r>
-            <a:r>
-              <a:rPr lang="zh-CN" altLang="en-US" dirty="0" smtClean="0"/>
-              <a:t>：研究需求变更软件（</a:t>
-            </a:r>
-            <a:r>
-              <a:rPr lang="en-US" altLang="zh-CN" dirty="0" smtClean="0"/>
-              <a:t>23%</a:t>
-            </a:r>
-            <a:r>
-              <a:rPr lang="zh-CN" altLang="en-US" dirty="0" smtClean="0"/>
-              <a:t>）</a:t>
-            </a:r>
-            <a:endParaRPr lang="en-US" altLang="zh-CN" dirty="0"/>
-          </a:p>
-          <a:p>
-            <a:endParaRPr lang="zh-CN" altLang="en-US" dirty="0"/>
-          </a:p>
-        </p:txBody>
-      </p:sp>
+        </p:nvGraphicFramePr>
+        <p:xfrm>
+          <a:off x="827584" y="1484784"/>
+          <a:ext cx="7632848" cy="4464497"/>
+        </p:xfrm>
+        <a:graphic>
+          <a:graphicData uri="http://schemas.openxmlformats.org/drawingml/2006/table">
+            <a:tbl>
+              <a:tblPr>
+                <a:tableStyleId>{5C22544A-7EE6-4342-B048-85BDC9FD1C3A}</a:tableStyleId>
+              </a:tblPr>
+              <a:tblGrid>
+                <a:gridCol w="3791796"/>
+                <a:gridCol w="3841052"/>
+              </a:tblGrid>
+              <a:tr h="828367">
+                <a:tc gridSpan="2">
+                  <a:txBody>
+                    <a:bodyPr/>
+                    <a:lstStyle/>
+                    <a:p>
+                      <a:pPr algn="ctr">
+                        <a:spcAft>
+                          <a:spcPts val="0"/>
+                        </a:spcAft>
+                      </a:pPr>
+                      <a:r>
+                        <a:rPr lang="en-US" sz="1800" kern="100" dirty="0">
+                          <a:effectLst/>
+                        </a:rPr>
+                        <a:t>CCB</a:t>
+                      </a:r>
+                      <a:r>
+                        <a:rPr lang="zh-CN" sz="1800" kern="100" dirty="0">
+                          <a:effectLst/>
+                        </a:rPr>
+                        <a:t>委员会主席：余倩</a:t>
+                      </a:r>
+                      <a:endParaRPr lang="zh-CN" sz="1800" kern="100" dirty="0">
+                        <a:effectLst/>
+                        <a:latin typeface="Calibri"/>
+                        <a:ea typeface="宋体"/>
+                        <a:cs typeface="Times New Roman"/>
+                      </a:endParaRPr>
+                    </a:p>
+                  </a:txBody>
+                  <a:tcPr marL="68580" marR="68580" marT="0" marB="0"/>
+                </a:tc>
+                <a:tc hMerge="1">
+                  <a:txBody>
+                    <a:bodyPr/>
+                    <a:lstStyle/>
+                    <a:p>
+                      <a:endParaRPr lang="zh-CN" altLang="en-US"/>
+                    </a:p>
+                  </a:txBody>
+                  <a:tcPr/>
+                </a:tc>
+              </a:tr>
+              <a:tr h="727226">
+                <a:tc>
+                  <a:txBody>
+                    <a:bodyPr/>
+                    <a:lstStyle/>
+                    <a:p>
+                      <a:pPr algn="ctr">
+                        <a:spcAft>
+                          <a:spcPts val="0"/>
+                        </a:spcAft>
+                      </a:pPr>
+                      <a:r>
+                        <a:rPr lang="zh-CN" sz="1800" kern="100" dirty="0">
+                          <a:effectLst/>
+                        </a:rPr>
+                        <a:t>职位</a:t>
+                      </a:r>
+                      <a:endParaRPr lang="zh-CN" sz="1800" kern="100" dirty="0">
+                        <a:effectLst/>
+                        <a:latin typeface="Calibri"/>
+                        <a:ea typeface="宋体"/>
+                        <a:cs typeface="Times New Roman"/>
+                      </a:endParaRPr>
+                    </a:p>
+                  </a:txBody>
+                  <a:tcPr marL="68580" marR="68580" marT="0" marB="0"/>
+                </a:tc>
+                <a:tc>
+                  <a:txBody>
+                    <a:bodyPr/>
+                    <a:lstStyle/>
+                    <a:p>
+                      <a:pPr algn="ctr">
+                        <a:spcAft>
+                          <a:spcPts val="0"/>
+                        </a:spcAft>
+                      </a:pPr>
+                      <a:r>
+                        <a:rPr lang="zh-CN" sz="1800" kern="100" dirty="0">
+                          <a:effectLst/>
+                        </a:rPr>
+                        <a:t>姓名</a:t>
+                      </a:r>
+                      <a:endParaRPr lang="zh-CN" sz="1800" kern="100" dirty="0">
+                        <a:effectLst/>
+                        <a:latin typeface="Calibri"/>
+                        <a:ea typeface="宋体"/>
+                        <a:cs typeface="Times New Roman"/>
+                      </a:endParaRPr>
+                    </a:p>
+                  </a:txBody>
+                  <a:tcPr marL="68580" marR="68580" marT="0" marB="0"/>
+                </a:tc>
+              </a:tr>
+              <a:tr h="727226">
+                <a:tc>
+                  <a:txBody>
+                    <a:bodyPr/>
+                    <a:lstStyle/>
+                    <a:p>
+                      <a:pPr algn="just">
+                        <a:spcAft>
+                          <a:spcPts val="0"/>
+                        </a:spcAft>
+                      </a:pPr>
+                      <a:r>
+                        <a:rPr lang="zh-CN" sz="1800" kern="100">
+                          <a:effectLst/>
+                        </a:rPr>
+                        <a:t>需求变更委员会成员</a:t>
+                      </a:r>
+                      <a:endParaRPr lang="zh-CN" sz="1800" kern="100">
+                        <a:effectLst/>
+                        <a:latin typeface="Calibri"/>
+                        <a:ea typeface="宋体"/>
+                        <a:cs typeface="Times New Roman"/>
+                      </a:endParaRPr>
+                    </a:p>
+                  </a:txBody>
+                  <a:tcPr marL="68580" marR="68580" marT="0" marB="0"/>
+                </a:tc>
+                <a:tc>
+                  <a:txBody>
+                    <a:bodyPr/>
+                    <a:lstStyle/>
+                    <a:p>
+                      <a:pPr algn="just">
+                        <a:spcAft>
+                          <a:spcPts val="0"/>
+                        </a:spcAft>
+                      </a:pPr>
+                      <a:r>
+                        <a:rPr lang="zh-CN" sz="1800" kern="100" dirty="0">
+                          <a:effectLst/>
+                        </a:rPr>
+                        <a:t>陈泓见</a:t>
+                      </a:r>
+                      <a:endParaRPr lang="zh-CN" sz="1800" kern="100" dirty="0">
+                        <a:effectLst/>
+                        <a:latin typeface="Calibri"/>
+                        <a:ea typeface="宋体"/>
+                        <a:cs typeface="Times New Roman"/>
+                      </a:endParaRPr>
+                    </a:p>
+                  </a:txBody>
+                  <a:tcPr marL="68580" marR="68580" marT="0" marB="0"/>
+                </a:tc>
+              </a:tr>
+              <a:tr h="727226">
+                <a:tc>
+                  <a:txBody>
+                    <a:bodyPr/>
+                    <a:lstStyle/>
+                    <a:p>
+                      <a:pPr algn="just">
+                        <a:spcAft>
+                          <a:spcPts val="0"/>
+                        </a:spcAft>
+                      </a:pPr>
+                      <a:r>
+                        <a:rPr lang="zh-CN" sz="1800" kern="100">
+                          <a:effectLst/>
+                        </a:rPr>
+                        <a:t>需求变更委员会成员</a:t>
+                      </a:r>
+                      <a:endParaRPr lang="zh-CN" sz="1800" kern="100">
+                        <a:effectLst/>
+                        <a:latin typeface="Calibri"/>
+                        <a:ea typeface="宋体"/>
+                        <a:cs typeface="Times New Roman"/>
+                      </a:endParaRPr>
+                    </a:p>
+                  </a:txBody>
+                  <a:tcPr marL="68580" marR="68580" marT="0" marB="0"/>
+                </a:tc>
+                <a:tc>
+                  <a:txBody>
+                    <a:bodyPr/>
+                    <a:lstStyle/>
+                    <a:p>
+                      <a:pPr algn="just">
+                        <a:spcAft>
+                          <a:spcPts val="0"/>
+                        </a:spcAft>
+                      </a:pPr>
+                      <a:r>
+                        <a:rPr lang="zh-CN" sz="1800" kern="100" dirty="0">
+                          <a:effectLst/>
+                        </a:rPr>
+                        <a:t>徐洁岑</a:t>
+                      </a:r>
+                      <a:endParaRPr lang="zh-CN" sz="1800" kern="100" dirty="0">
+                        <a:effectLst/>
+                        <a:latin typeface="Calibri"/>
+                        <a:ea typeface="宋体"/>
+                        <a:cs typeface="Times New Roman"/>
+                      </a:endParaRPr>
+                    </a:p>
+                  </a:txBody>
+                  <a:tcPr marL="68580" marR="68580" marT="0" marB="0"/>
+                </a:tc>
+              </a:tr>
+              <a:tr h="727226">
+                <a:tc>
+                  <a:txBody>
+                    <a:bodyPr/>
+                    <a:lstStyle/>
+                    <a:p>
+                      <a:pPr algn="just">
+                        <a:spcAft>
+                          <a:spcPts val="0"/>
+                        </a:spcAft>
+                      </a:pPr>
+                      <a:r>
+                        <a:rPr lang="zh-CN" sz="1800" kern="100">
+                          <a:effectLst/>
+                        </a:rPr>
+                        <a:t>需求变更委员会成员</a:t>
+                      </a:r>
+                      <a:endParaRPr lang="zh-CN" sz="1800" kern="100">
+                        <a:effectLst/>
+                        <a:latin typeface="Calibri"/>
+                        <a:ea typeface="宋体"/>
+                        <a:cs typeface="Times New Roman"/>
+                      </a:endParaRPr>
+                    </a:p>
+                  </a:txBody>
+                  <a:tcPr marL="68580" marR="68580" marT="0" marB="0"/>
+                </a:tc>
+                <a:tc>
+                  <a:txBody>
+                    <a:bodyPr/>
+                    <a:lstStyle/>
+                    <a:p>
+                      <a:pPr algn="just">
+                        <a:spcAft>
+                          <a:spcPts val="0"/>
+                        </a:spcAft>
+                      </a:pPr>
+                      <a:r>
+                        <a:rPr lang="zh-CN" sz="1800" kern="100" dirty="0">
+                          <a:effectLst/>
+                        </a:rPr>
+                        <a:t>于欣汝</a:t>
+                      </a:r>
+                      <a:endParaRPr lang="zh-CN" sz="1800" kern="100" dirty="0">
+                        <a:effectLst/>
+                        <a:latin typeface="Calibri"/>
+                        <a:ea typeface="宋体"/>
+                        <a:cs typeface="Times New Roman"/>
+                      </a:endParaRPr>
+                    </a:p>
+                  </a:txBody>
+                  <a:tcPr marL="68580" marR="68580" marT="0" marB="0"/>
+                </a:tc>
+              </a:tr>
+              <a:tr h="727226">
+                <a:tc>
+                  <a:txBody>
+                    <a:bodyPr/>
+                    <a:lstStyle/>
+                    <a:p>
+                      <a:pPr algn="just">
+                        <a:spcAft>
+                          <a:spcPts val="0"/>
+                        </a:spcAft>
+                      </a:pPr>
+                      <a:r>
+                        <a:rPr lang="zh-CN" sz="1800" kern="100">
+                          <a:effectLst/>
+                        </a:rPr>
+                        <a:t>需求变更委员会成员</a:t>
+                      </a:r>
+                      <a:endParaRPr lang="zh-CN" sz="1800" kern="100">
+                        <a:effectLst/>
+                        <a:latin typeface="Calibri"/>
+                        <a:ea typeface="宋体"/>
+                        <a:cs typeface="Times New Roman"/>
+                      </a:endParaRPr>
+                    </a:p>
+                  </a:txBody>
+                  <a:tcPr marL="68580" marR="68580" marT="0" marB="0"/>
+                </a:tc>
+                <a:tc>
+                  <a:txBody>
+                    <a:bodyPr/>
+                    <a:lstStyle/>
+                    <a:p>
+                      <a:pPr algn="just">
+                        <a:spcAft>
+                          <a:spcPts val="0"/>
+                        </a:spcAft>
+                      </a:pPr>
+                      <a:r>
+                        <a:rPr lang="zh-CN" sz="1800" kern="100" dirty="0">
+                          <a:effectLst/>
+                        </a:rPr>
+                        <a:t>黄枭帅</a:t>
+                      </a:r>
+                      <a:endParaRPr lang="zh-CN" sz="1800" kern="100" dirty="0">
+                        <a:effectLst/>
+                        <a:latin typeface="Calibri"/>
+                        <a:ea typeface="宋体"/>
+                        <a:cs typeface="Times New Roman"/>
+                      </a:endParaRPr>
+                    </a:p>
+                  </a:txBody>
+                  <a:tcPr marL="68580" marR="68580" marT="0" marB="0"/>
+                </a:tc>
+              </a:tr>
+            </a:tbl>
+          </a:graphicData>
+        </a:graphic>
+      </p:graphicFrame>
     </p:spTree>
     <p:extLst>
       <p:ext uri="{BB962C8B-B14F-4D97-AF65-F5344CB8AC3E}">
-        <p14:creationId xmlns:p14="http://schemas.microsoft.com/office/powerpoint/2010/main" val="3437751615"/>
+        <p14:creationId xmlns:p14="http://schemas.microsoft.com/office/powerpoint/2010/main" val="457693857"/>
       </p:ext>
     </p:extLst>
   </p:cSld>
@@ -15044,43 +17913,435 @@
       </p:grpSpPr>
       <p:sp>
         <p:nvSpPr>
-          <p:cNvPr id="4" name="TextBox 3"/>
-          <p:cNvSpPr txBox="1"/>
-          <p:nvPr/>
+          <p:cNvPr id="5" name="标题 1"/>
+          <p:cNvSpPr>
+            <a:spLocks noGrp="1"/>
+          </p:cNvSpPr>
+          <p:nvPr>
+            <p:ph type="title"/>
+          </p:nvPr>
         </p:nvSpPr>
         <p:spPr>
           <a:xfrm>
-            <a:off x="3347864" y="2953833"/>
-            <a:ext cx="4752528" cy="1107996"/>
+            <a:off x="1043608" y="692696"/>
+            <a:ext cx="7024744" cy="685880"/>
+          </a:xfrm>
+        </p:spPr>
+        <p:txBody>
+          <a:bodyPr>
+            <a:normAutofit fontScale="90000"/>
+          </a:bodyPr>
+          <a:lstStyle/>
+          <a:p>
+            <a:r>
+              <a:rPr lang="zh-CN" altLang="en-US" dirty="0" smtClean="0"/>
+              <a:t>里程碑相关任务是否按时提交</a:t>
+            </a:r>
+            <a:endParaRPr lang="zh-CN" altLang="en-US" dirty="0"/>
+          </a:p>
+        </p:txBody>
+      </p:sp>
+      <p:pic>
+        <p:nvPicPr>
+          <p:cNvPr id="1027" name="Picture 3"/>
+          <p:cNvPicPr>
+            <a:picLocks noChangeAspect="1" noChangeArrowheads="1"/>
+          </p:cNvPicPr>
+          <p:nvPr/>
+        </p:nvPicPr>
+        <p:blipFill>
+          <a:blip r:embed="rId2">
+            <a:extLst>
+              <a:ext uri="{28A0092B-C50C-407E-A947-70E740481C1C}">
+                <a14:useLocalDpi xmlns:a14="http://schemas.microsoft.com/office/drawing/2010/main" val="0"/>
+              </a:ext>
+            </a:extLst>
+          </a:blip>
+          <a:srcRect/>
+          <a:stretch>
+            <a:fillRect/>
+          </a:stretch>
+        </p:blipFill>
+        <p:spPr bwMode="auto">
+          <a:xfrm>
+            <a:off x="511222" y="1573262"/>
+            <a:ext cx="8187073" cy="487586"/>
           </a:xfrm>
           <a:prstGeom prst="rect">
             <a:avLst/>
           </a:prstGeom>
           <a:noFill/>
+          <a:ln>
+            <a:noFill/>
+          </a:ln>
+          <a:effectLst/>
+          <a:extLst>
+            <a:ext uri="{909E8E84-426E-40DD-AFC4-6F175D3DCCD1}">
+              <a14:hiddenFill xmlns:a14="http://schemas.microsoft.com/office/drawing/2010/main">
+                <a:solidFill>
+                  <a:schemeClr val="accent1"/>
+                </a:solidFill>
+              </a14:hiddenFill>
+            </a:ext>
+            <a:ext uri="{91240B29-F687-4F45-9708-019B960494DF}">
+              <a14:hiddenLine xmlns:a14="http://schemas.microsoft.com/office/drawing/2010/main" w="9525">
+                <a:solidFill>
+                  <a:schemeClr val="tx1"/>
+                </a:solidFill>
+                <a:miter lim="800000"/>
+                <a:headEnd/>
+                <a:tailEnd/>
+              </a14:hiddenLine>
+            </a:ext>
+            <a:ext uri="{AF507438-7753-43E0-B8FC-AC1667EBCBE1}">
+              <a14:hiddenEffects xmlns:a14="http://schemas.microsoft.com/office/drawing/2010/main">
+                <a:effectLst>
+                  <a:outerShdw dist="35921" dir="2700000" algn="ctr" rotWithShape="0">
+                    <a:schemeClr val="bg2"/>
+                  </a:outerShdw>
+                </a:effectLst>
+              </a14:hiddenEffects>
+            </a:ext>
+          </a:extLst>
         </p:spPr>
-        <p:txBody>
-          <a:bodyPr wrap="square" rtlCol="0">
-            <a:spAutoFit/>
-          </a:bodyPr>
-          <a:lstStyle/>
-          <a:p>
-            <a:r>
-              <a:rPr lang="zh-CN" altLang="en-US" sz="6600" b="1" dirty="0"/>
-              <a:t>谢谢</a:t>
-            </a:r>
-          </a:p>
-        </p:txBody>
-      </p:sp>
+      </p:pic>
+      <p:pic>
+        <p:nvPicPr>
+          <p:cNvPr id="1028" name="Picture 4"/>
+          <p:cNvPicPr>
+            <a:picLocks noChangeAspect="1" noChangeArrowheads="1"/>
+          </p:cNvPicPr>
+          <p:nvPr/>
+        </p:nvPicPr>
+        <p:blipFill>
+          <a:blip r:embed="rId3">
+            <a:extLst>
+              <a:ext uri="{28A0092B-C50C-407E-A947-70E740481C1C}">
+                <a14:useLocalDpi xmlns:a14="http://schemas.microsoft.com/office/drawing/2010/main" val="0"/>
+              </a:ext>
+            </a:extLst>
+          </a:blip>
+          <a:srcRect/>
+          <a:stretch>
+            <a:fillRect/>
+          </a:stretch>
+        </p:blipFill>
+        <p:spPr bwMode="auto">
+          <a:xfrm>
+            <a:off x="492199" y="2057850"/>
+            <a:ext cx="8187073" cy="494103"/>
+          </a:xfrm>
+          <a:prstGeom prst="rect">
+            <a:avLst/>
+          </a:prstGeom>
+          <a:noFill/>
+          <a:ln>
+            <a:noFill/>
+          </a:ln>
+          <a:effectLst/>
+          <a:extLst>
+            <a:ext uri="{909E8E84-426E-40DD-AFC4-6F175D3DCCD1}">
+              <a14:hiddenFill xmlns:a14="http://schemas.microsoft.com/office/drawing/2010/main">
+                <a:solidFill>
+                  <a:schemeClr val="accent1"/>
+                </a:solidFill>
+              </a14:hiddenFill>
+            </a:ext>
+            <a:ext uri="{91240B29-F687-4F45-9708-019B960494DF}">
+              <a14:hiddenLine xmlns:a14="http://schemas.microsoft.com/office/drawing/2010/main" w="9525">
+                <a:solidFill>
+                  <a:schemeClr val="tx1"/>
+                </a:solidFill>
+                <a:miter lim="800000"/>
+                <a:headEnd/>
+                <a:tailEnd/>
+              </a14:hiddenLine>
+            </a:ext>
+            <a:ext uri="{AF507438-7753-43E0-B8FC-AC1667EBCBE1}">
+              <a14:hiddenEffects xmlns:a14="http://schemas.microsoft.com/office/drawing/2010/main">
+                <a:effectLst>
+                  <a:outerShdw dist="35921" dir="2700000" algn="ctr" rotWithShape="0">
+                    <a:schemeClr val="bg2"/>
+                  </a:outerShdw>
+                </a:effectLst>
+              </a14:hiddenEffects>
+            </a:ext>
+          </a:extLst>
+        </p:spPr>
+      </p:pic>
+      <p:pic>
+        <p:nvPicPr>
+          <p:cNvPr id="1029" name="Picture 5"/>
+          <p:cNvPicPr>
+            <a:picLocks noChangeAspect="1" noChangeArrowheads="1"/>
+          </p:cNvPicPr>
+          <p:nvPr/>
+        </p:nvPicPr>
+        <p:blipFill>
+          <a:blip r:embed="rId4">
+            <a:extLst>
+              <a:ext uri="{28A0092B-C50C-407E-A947-70E740481C1C}">
+                <a14:useLocalDpi xmlns:a14="http://schemas.microsoft.com/office/drawing/2010/main" val="0"/>
+              </a:ext>
+            </a:extLst>
+          </a:blip>
+          <a:srcRect/>
+          <a:stretch>
+            <a:fillRect/>
+          </a:stretch>
+        </p:blipFill>
+        <p:spPr bwMode="auto">
+          <a:xfrm>
+            <a:off x="500302" y="2564904"/>
+            <a:ext cx="8178970" cy="504056"/>
+          </a:xfrm>
+          <a:prstGeom prst="rect">
+            <a:avLst/>
+          </a:prstGeom>
+          <a:noFill/>
+          <a:ln>
+            <a:noFill/>
+          </a:ln>
+          <a:effectLst/>
+          <a:extLst>
+            <a:ext uri="{909E8E84-426E-40DD-AFC4-6F175D3DCCD1}">
+              <a14:hiddenFill xmlns:a14="http://schemas.microsoft.com/office/drawing/2010/main">
+                <a:solidFill>
+                  <a:schemeClr val="accent1"/>
+                </a:solidFill>
+              </a14:hiddenFill>
+            </a:ext>
+            <a:ext uri="{91240B29-F687-4F45-9708-019B960494DF}">
+              <a14:hiddenLine xmlns:a14="http://schemas.microsoft.com/office/drawing/2010/main" w="9525">
+                <a:solidFill>
+                  <a:schemeClr val="tx1"/>
+                </a:solidFill>
+                <a:miter lim="800000"/>
+                <a:headEnd/>
+                <a:tailEnd/>
+              </a14:hiddenLine>
+            </a:ext>
+            <a:ext uri="{AF507438-7753-43E0-B8FC-AC1667EBCBE1}">
+              <a14:hiddenEffects xmlns:a14="http://schemas.microsoft.com/office/drawing/2010/main">
+                <a:effectLst>
+                  <a:outerShdw dist="35921" dir="2700000" algn="ctr" rotWithShape="0">
+                    <a:schemeClr val="bg2"/>
+                  </a:outerShdw>
+                </a:effectLst>
+              </a14:hiddenEffects>
+            </a:ext>
+          </a:extLst>
+        </p:spPr>
+      </p:pic>
+      <p:pic>
+        <p:nvPicPr>
+          <p:cNvPr id="1030" name="Picture 6"/>
+          <p:cNvPicPr>
+            <a:picLocks noChangeAspect="1" noChangeArrowheads="1"/>
+          </p:cNvPicPr>
+          <p:nvPr/>
+        </p:nvPicPr>
+        <p:blipFill>
+          <a:blip r:embed="rId5">
+            <a:extLst>
+              <a:ext uri="{28A0092B-C50C-407E-A947-70E740481C1C}">
+                <a14:useLocalDpi xmlns:a14="http://schemas.microsoft.com/office/drawing/2010/main" val="0"/>
+              </a:ext>
+            </a:extLst>
+          </a:blip>
+          <a:srcRect/>
+          <a:stretch>
+            <a:fillRect/>
+          </a:stretch>
+        </p:blipFill>
+        <p:spPr bwMode="auto">
+          <a:xfrm>
+            <a:off x="489383" y="3139133"/>
+            <a:ext cx="8187073" cy="433883"/>
+          </a:xfrm>
+          <a:prstGeom prst="rect">
+            <a:avLst/>
+          </a:prstGeom>
+          <a:noFill/>
+          <a:ln>
+            <a:noFill/>
+          </a:ln>
+          <a:effectLst/>
+          <a:extLst>
+            <a:ext uri="{909E8E84-426E-40DD-AFC4-6F175D3DCCD1}">
+              <a14:hiddenFill xmlns:a14="http://schemas.microsoft.com/office/drawing/2010/main">
+                <a:solidFill>
+                  <a:schemeClr val="accent1"/>
+                </a:solidFill>
+              </a14:hiddenFill>
+            </a:ext>
+            <a:ext uri="{91240B29-F687-4F45-9708-019B960494DF}">
+              <a14:hiddenLine xmlns:a14="http://schemas.microsoft.com/office/drawing/2010/main" w="9525">
+                <a:solidFill>
+                  <a:schemeClr val="tx1"/>
+                </a:solidFill>
+                <a:miter lim="800000"/>
+                <a:headEnd/>
+                <a:tailEnd/>
+              </a14:hiddenLine>
+            </a:ext>
+            <a:ext uri="{AF507438-7753-43E0-B8FC-AC1667EBCBE1}">
+              <a14:hiddenEffects xmlns:a14="http://schemas.microsoft.com/office/drawing/2010/main">
+                <a:effectLst>
+                  <a:outerShdw dist="35921" dir="2700000" algn="ctr" rotWithShape="0">
+                    <a:schemeClr val="bg2"/>
+                  </a:outerShdw>
+                </a:effectLst>
+              </a14:hiddenEffects>
+            </a:ext>
+          </a:extLst>
+        </p:spPr>
+      </p:pic>
+      <p:pic>
+        <p:nvPicPr>
+          <p:cNvPr id="1031" name="Picture 7"/>
+          <p:cNvPicPr>
+            <a:picLocks noChangeAspect="1" noChangeArrowheads="1"/>
+          </p:cNvPicPr>
+          <p:nvPr/>
+        </p:nvPicPr>
+        <p:blipFill>
+          <a:blip r:embed="rId6">
+            <a:extLst>
+              <a:ext uri="{28A0092B-C50C-407E-A947-70E740481C1C}">
+                <a14:useLocalDpi xmlns:a14="http://schemas.microsoft.com/office/drawing/2010/main" val="0"/>
+              </a:ext>
+            </a:extLst>
+          </a:blip>
+          <a:srcRect/>
+          <a:stretch>
+            <a:fillRect/>
+          </a:stretch>
+        </p:blipFill>
+        <p:spPr bwMode="auto">
+          <a:xfrm>
+            <a:off x="473257" y="3573017"/>
+            <a:ext cx="8208912" cy="400092"/>
+          </a:xfrm>
+          <a:prstGeom prst="rect">
+            <a:avLst/>
+          </a:prstGeom>
+          <a:noFill/>
+          <a:ln>
+            <a:noFill/>
+          </a:ln>
+          <a:effectLst/>
+          <a:extLst>
+            <a:ext uri="{909E8E84-426E-40DD-AFC4-6F175D3DCCD1}">
+              <a14:hiddenFill xmlns:a14="http://schemas.microsoft.com/office/drawing/2010/main">
+                <a:solidFill>
+                  <a:schemeClr val="accent1"/>
+                </a:solidFill>
+              </a14:hiddenFill>
+            </a:ext>
+            <a:ext uri="{91240B29-F687-4F45-9708-019B960494DF}">
+              <a14:hiddenLine xmlns:a14="http://schemas.microsoft.com/office/drawing/2010/main" w="9525">
+                <a:solidFill>
+                  <a:schemeClr val="tx1"/>
+                </a:solidFill>
+                <a:miter lim="800000"/>
+                <a:headEnd/>
+                <a:tailEnd/>
+              </a14:hiddenLine>
+            </a:ext>
+            <a:ext uri="{AF507438-7753-43E0-B8FC-AC1667EBCBE1}">
+              <a14:hiddenEffects xmlns:a14="http://schemas.microsoft.com/office/drawing/2010/main">
+                <a:effectLst>
+                  <a:outerShdw dist="35921" dir="2700000" algn="ctr" rotWithShape="0">
+                    <a:schemeClr val="bg2"/>
+                  </a:outerShdw>
+                </a:effectLst>
+              </a14:hiddenEffects>
+            </a:ext>
+          </a:extLst>
+        </p:spPr>
+      </p:pic>
+      <p:pic>
+        <p:nvPicPr>
+          <p:cNvPr id="1032" name="Picture 8"/>
+          <p:cNvPicPr>
+            <a:picLocks noChangeAspect="1" noChangeArrowheads="1"/>
+          </p:cNvPicPr>
+          <p:nvPr/>
+        </p:nvPicPr>
+        <p:blipFill>
+          <a:blip r:embed="rId7">
+            <a:extLst>
+              <a:ext uri="{28A0092B-C50C-407E-A947-70E740481C1C}">
+                <a14:useLocalDpi xmlns:a14="http://schemas.microsoft.com/office/drawing/2010/main" val="0"/>
+              </a:ext>
+            </a:extLst>
+          </a:blip>
+          <a:srcRect/>
+          <a:stretch>
+            <a:fillRect/>
+          </a:stretch>
+        </p:blipFill>
+        <p:spPr bwMode="auto">
+          <a:xfrm>
+            <a:off x="511222" y="4048954"/>
+            <a:ext cx="8165234" cy="964222"/>
+          </a:xfrm>
+          <a:prstGeom prst="rect">
+            <a:avLst/>
+          </a:prstGeom>
+          <a:noFill/>
+          <a:ln>
+            <a:noFill/>
+          </a:ln>
+          <a:effectLst/>
+          <a:extLst>
+            <a:ext uri="{909E8E84-426E-40DD-AFC4-6F175D3DCCD1}">
+              <a14:hiddenFill xmlns:a14="http://schemas.microsoft.com/office/drawing/2010/main">
+                <a:solidFill>
+                  <a:schemeClr val="accent1"/>
+                </a:solidFill>
+              </a14:hiddenFill>
+            </a:ext>
+            <a:ext uri="{91240B29-F687-4F45-9708-019B960494DF}">
+              <a14:hiddenLine xmlns:a14="http://schemas.microsoft.com/office/drawing/2010/main" w="9525">
+                <a:solidFill>
+                  <a:schemeClr val="tx1"/>
+                </a:solidFill>
+                <a:miter lim="800000"/>
+                <a:headEnd/>
+                <a:tailEnd/>
+              </a14:hiddenLine>
+            </a:ext>
+            <a:ext uri="{AF507438-7753-43E0-B8FC-AC1667EBCBE1}">
+              <a14:hiddenEffects xmlns:a14="http://schemas.microsoft.com/office/drawing/2010/main">
+                <a:effectLst>
+                  <a:outerShdw dist="35921" dir="2700000" algn="ctr" rotWithShape="0">
+                    <a:schemeClr val="bg2"/>
+                  </a:outerShdw>
+                </a:effectLst>
+              </a14:hiddenEffects>
+            </a:ext>
+          </a:extLst>
+        </p:spPr>
+      </p:pic>
     </p:spTree>
     <p:extLst>
       <p:ext uri="{BB962C8B-B14F-4D97-AF65-F5344CB8AC3E}">
-        <p14:creationId xmlns:p14="http://schemas.microsoft.com/office/powerpoint/2010/main" val="805128867"/>
+        <p14:creationId xmlns:p14="http://schemas.microsoft.com/office/powerpoint/2010/main" val="1318318957"/>
       </p:ext>
     </p:extLst>
   </p:cSld>
   <p:clrMapOvr>
     <a:masterClrMapping/>
   </p:clrMapOvr>
+  <p:timing>
+    <p:tnLst>
+      <p:par>
+        <p:cTn id="1" dur="indefinite" restart="never" nodeType="tmRoot"/>
+      </p:par>
+    </p:tnLst>
+  </p:timing>
 </p:sld>
 </file>
 

--- a/website/受控文件/需求变更/软件需求变更.pptx
+++ b/website/受控文件/需求变更/软件需求变更.pptx
@@ -2881,7 +2881,7 @@
           <a:p>
             <a:fld id="{530820CF-B880-4189-942D-D702A7CBA730}" type="datetimeFigureOut">
               <a:rPr lang="zh-CN" altLang="en-US" smtClean="0"/>
-              <a:t>2018/1/10</a:t>
+              <a:t>2018/1/11</a:t>
             </a:fld>
             <a:endParaRPr lang="zh-CN" altLang="en-US"/>
           </a:p>
@@ -3166,7 +3166,7 @@
           <a:p>
             <a:fld id="{530820CF-B880-4189-942D-D702A7CBA730}" type="datetimeFigureOut">
               <a:rPr lang="zh-CN" altLang="en-US" smtClean="0"/>
-              <a:t>2018/1/10</a:t>
+              <a:t>2018/1/11</a:t>
             </a:fld>
             <a:endParaRPr lang="zh-CN" altLang="en-US"/>
           </a:p>
@@ -3341,7 +3341,7 @@
           <a:p>
             <a:fld id="{530820CF-B880-4189-942D-D702A7CBA730}" type="datetimeFigureOut">
               <a:rPr lang="zh-CN" altLang="en-US" smtClean="0"/>
-              <a:t>2018/1/10</a:t>
+              <a:t>2018/1/11</a:t>
             </a:fld>
             <a:endParaRPr lang="zh-CN" altLang="en-US"/>
           </a:p>
@@ -3506,7 +3506,7 @@
           <a:p>
             <a:fld id="{530820CF-B880-4189-942D-D702A7CBA730}" type="datetimeFigureOut">
               <a:rPr lang="zh-CN" altLang="en-US" smtClean="0"/>
-              <a:t>2018/1/10</a:t>
+              <a:t>2018/1/11</a:t>
             </a:fld>
             <a:endParaRPr lang="zh-CN" altLang="en-US"/>
           </a:p>
@@ -3747,7 +3747,7 @@
           <a:p>
             <a:fld id="{530820CF-B880-4189-942D-D702A7CBA730}" type="datetimeFigureOut">
               <a:rPr lang="zh-CN" altLang="en-US" smtClean="0"/>
-              <a:t>2018/1/10</a:t>
+              <a:t>2018/1/11</a:t>
             </a:fld>
             <a:endParaRPr lang="zh-CN" altLang="en-US"/>
           </a:p>
@@ -3860,7 +3860,7 @@
           <a:p>
             <a:fld id="{530820CF-B880-4189-942D-D702A7CBA730}" type="datetimeFigureOut">
               <a:rPr lang="zh-CN" altLang="en-US" smtClean="0"/>
-              <a:t>2018/1/10</a:t>
+              <a:t>2018/1/11</a:t>
             </a:fld>
             <a:endParaRPr lang="zh-CN" altLang="en-US"/>
           </a:p>
@@ -4399,7 +4399,7 @@
           <a:p>
             <a:fld id="{530820CF-B880-4189-942D-D702A7CBA730}" type="datetimeFigureOut">
               <a:rPr lang="zh-CN" altLang="en-US" smtClean="0"/>
-              <a:t>2018/1/10</a:t>
+              <a:t>2018/1/11</a:t>
             </a:fld>
             <a:endParaRPr lang="zh-CN" altLang="en-US"/>
           </a:p>
@@ -4512,7 +4512,7 @@
           <a:p>
             <a:fld id="{530820CF-B880-4189-942D-D702A7CBA730}" type="datetimeFigureOut">
               <a:rPr lang="zh-CN" altLang="en-US" smtClean="0"/>
-              <a:t>2018/1/10</a:t>
+              <a:t>2018/1/11</a:t>
             </a:fld>
             <a:endParaRPr lang="zh-CN" altLang="en-US"/>
           </a:p>
@@ -4602,7 +4602,7 @@
           <a:p>
             <a:fld id="{530820CF-B880-4189-942D-D702A7CBA730}" type="datetimeFigureOut">
               <a:rPr lang="zh-CN" altLang="en-US" smtClean="0"/>
-              <a:t>2018/1/10</a:t>
+              <a:t>2018/1/11</a:t>
             </a:fld>
             <a:endParaRPr lang="zh-CN" altLang="en-US"/>
           </a:p>
@@ -7253,7 +7253,7 @@
           <a:p>
             <a:fld id="{530820CF-B880-4189-942D-D702A7CBA730}" type="datetimeFigureOut">
               <a:rPr lang="zh-CN" altLang="en-US" smtClean="0"/>
-              <a:t>2018/1/10</a:t>
+              <a:t>2018/1/11</a:t>
             </a:fld>
             <a:endParaRPr lang="zh-CN" altLang="en-US"/>
           </a:p>
@@ -10465,7 +10465,7 @@
           <a:p>
             <a:fld id="{530820CF-B880-4189-942D-D702A7CBA730}" type="datetimeFigureOut">
               <a:rPr lang="zh-CN" altLang="en-US" smtClean="0"/>
-              <a:t>2018/1/10</a:t>
+              <a:t>2018/1/11</a:t>
             </a:fld>
             <a:endParaRPr lang="zh-CN" altLang="en-US"/>
           </a:p>
@@ -13287,7 +13287,7 @@
           <a:p>
             <a:fld id="{530820CF-B880-4189-942D-D702A7CBA730}" type="datetimeFigureOut">
               <a:rPr lang="zh-CN" altLang="en-US" smtClean="0"/>
-              <a:t>2018/1/10</a:t>
+              <a:t>2018/1/11</a:t>
             </a:fld>
             <a:endParaRPr lang="zh-CN" altLang="en-US"/>
           </a:p>
@@ -14386,15 +14386,15 @@
             </a:r>
             <a:r>
               <a:rPr lang="en-US" altLang="zh-CN" dirty="0" smtClean="0"/>
+              <a:t>0.01</a:t>
+            </a:r>
+            <a:r>
+              <a:rPr lang="zh-CN" altLang="en-US" dirty="0" smtClean="0"/>
+              <a:t>版本由，功能增删改变直接增进</a:t>
+            </a:r>
+            <a:r>
+              <a:rPr lang="en-US" altLang="zh-CN" smtClean="0"/>
               <a:t>0.1</a:t>
-            </a:r>
-            <a:r>
-              <a:rPr lang="zh-CN" altLang="en-US" dirty="0" smtClean="0"/>
-              <a:t>版本由，功能大修改直接增进</a:t>
-            </a:r>
-            <a:r>
-              <a:rPr lang="en-US" altLang="zh-CN" dirty="0" smtClean="0"/>
-              <a:t>1</a:t>
             </a:r>
             <a:r>
               <a:rPr lang="zh-CN" altLang="en-US" dirty="0" smtClean="0"/>
@@ -14521,6 +14521,70 @@
           </a:p>
         </p:txBody>
       </p:sp>
+      <p:pic>
+        <p:nvPicPr>
+          <p:cNvPr id="1026" name="Picture 2"/>
+          <p:cNvPicPr>
+            <a:picLocks noChangeAspect="1" noChangeArrowheads="1"/>
+          </p:cNvPicPr>
+          <p:nvPr/>
+        </p:nvPicPr>
+        <p:blipFill>
+          <a:blip r:embed="rId2">
+            <a:extLst>
+              <a:ext uri="{28A0092B-C50C-407E-A947-70E740481C1C}">
+                <a14:useLocalDpi xmlns:a14="http://schemas.microsoft.com/office/drawing/2010/main" val="0"/>
+              </a:ext>
+            </a:extLst>
+          </a:blip>
+          <a:srcRect/>
+          <a:stretch>
+            <a:fillRect/>
+          </a:stretch>
+        </p:blipFill>
+        <p:spPr bwMode="auto">
+          <a:xfrm>
+            <a:off x="1043608" y="4077072"/>
+            <a:ext cx="7380287" cy="2276475"/>
+          </a:xfrm>
+          <a:prstGeom prst="rect">
+            <a:avLst/>
+          </a:prstGeom>
+          <a:noFill/>
+          <a:ln>
+            <a:noFill/>
+          </a:ln>
+          <a:effectLst/>
+          <a:extLst>
+            <a:ext uri="{909E8E84-426E-40DD-AFC4-6F175D3DCCD1}">
+              <a14:hiddenFill xmlns:a14="http://schemas.microsoft.com/office/drawing/2010/main">
+                <a:solidFill>
+                  <a:schemeClr val="accent1"/>
+                </a:solidFill>
+              </a14:hiddenFill>
+            </a:ext>
+            <a:ext uri="{91240B29-F687-4F45-9708-019B960494DF}">
+              <a14:hiddenLine xmlns:a14="http://schemas.microsoft.com/office/drawing/2010/main" w="9525">
+                <a:solidFill>
+                  <a:schemeClr val="tx1"/>
+                </a:solidFill>
+                <a:miter lim="800000"/>
+                <a:headEnd/>
+                <a:tailEnd/>
+              </a14:hiddenLine>
+            </a:ext>
+            <a:ext uri="{AF507438-7753-43E0-B8FC-AC1667EBCBE1}">
+              <a14:hiddenEffects xmlns:a14="http://schemas.microsoft.com/office/drawing/2010/main">
+                <a:effectLst>
+                  <a:outerShdw dist="35921" dir="2700000" algn="ctr" rotWithShape="0">
+                    <a:schemeClr val="bg2"/>
+                  </a:outerShdw>
+                </a:effectLst>
+              </a14:hiddenEffects>
+            </a:ext>
+          </a:extLst>
+        </p:spPr>
+      </p:pic>
     </p:spTree>
     <p:extLst>
       <p:ext uri="{BB962C8B-B14F-4D97-AF65-F5344CB8AC3E}">
@@ -16529,11 +16593,7 @@
             </a:r>
             <a:r>
               <a:rPr lang="zh-CN" altLang="en-US" dirty="0" smtClean="0"/>
-              <a:t>影响</a:t>
-            </a:r>
-            <a:r>
-              <a:rPr lang="zh-CN" altLang="en-US" dirty="0" smtClean="0"/>
-              <a:t>分析</a:t>
+              <a:t>影响分析</a:t>
             </a:r>
             <a:endParaRPr lang="en-US" altLang="zh-CN" dirty="0" smtClean="0"/>
           </a:p>
